--- a/과제/파이썬 연습문제.pptx
+++ b/과제/파이썬 연습문제.pptx
@@ -5,13 +5,15 @@
     <p:sldMasterId id="2147483648" r:id="rId1"/>
   </p:sldMasterIdLst>
   <p:notesMasterIdLst>
-    <p:notesMasterId r:id="rId6"/>
+    <p:notesMasterId r:id="rId8"/>
   </p:notesMasterIdLst>
   <p:sldIdLst>
     <p:sldId id="259" r:id="rId2"/>
     <p:sldId id="257" r:id="rId3"/>
     <p:sldId id="260" r:id="rId4"/>
     <p:sldId id="261" r:id="rId5"/>
+    <p:sldId id="262" r:id="rId6"/>
+    <p:sldId id="263" r:id="rId7"/>
   </p:sldIdLst>
   <p:sldSz cx="9906000" cy="6858000" type="A4"/>
   <p:notesSz cx="6858000" cy="9144000"/>
@@ -195,7 +197,7 @@
           <a:p>
             <a:fld id="{F8EE9BE4-BA73-4D39-86BF-4ECBF107F1A2}" type="datetimeFigureOut">
               <a:rPr lang="ko-KR" altLang="en-US" smtClean="0"/>
-              <a:t>2019-07-17</a:t>
+              <a:t>2019-07-19</a:t>
             </a:fld>
             <a:endParaRPr lang="ko-KR" altLang="en-US"/>
           </a:p>
@@ -609,7 +611,7 @@
           <a:p>
             <a:fld id="{21845987-2C55-46C3-B831-AE09533DBD3E}" type="datetime1">
               <a:rPr lang="ko-KR" altLang="en-US" smtClean="0"/>
-              <a:t>2019-07-17</a:t>
+              <a:t>2019-07-19</a:t>
             </a:fld>
             <a:endParaRPr lang="ko-KR" altLang="en-US"/>
           </a:p>
@@ -737,7 +739,7 @@
           <a:p>
             <a:fld id="{BFC15BBE-F44D-4F1F-A330-F82D13529371}" type="datetime1">
               <a:rPr lang="ko-KR" altLang="en-US" smtClean="0"/>
-              <a:t>2019-07-17</a:t>
+              <a:t>2019-07-19</a:t>
             </a:fld>
             <a:endParaRPr lang="ko-KR" altLang="en-US"/>
           </a:p>
@@ -917,7 +919,7 @@
           <a:p>
             <a:fld id="{AF55841B-9C56-4B13-96CD-0F02E1FA3938}" type="datetime1">
               <a:rPr lang="ko-KR" altLang="en-US" smtClean="0"/>
-              <a:t>2019-07-17</a:t>
+              <a:t>2019-07-19</a:t>
             </a:fld>
             <a:endParaRPr lang="ko-KR" altLang="en-US"/>
           </a:p>
@@ -1087,7 +1089,7 @@
           <a:p>
             <a:fld id="{2ABF20A8-D685-4CF2-B639-02FF1506B0EE}" type="datetime1">
               <a:rPr lang="ko-KR" altLang="en-US" smtClean="0"/>
-              <a:t>2019-07-17</a:t>
+              <a:t>2019-07-19</a:t>
             </a:fld>
             <a:endParaRPr lang="ko-KR" altLang="en-US"/>
           </a:p>
@@ -1333,7 +1335,7 @@
           <a:p>
             <a:fld id="{2811EE05-8720-4A70-86E4-81F89E9A0E97}" type="datetime1">
               <a:rPr lang="ko-KR" altLang="en-US" smtClean="0"/>
-              <a:t>2019-07-17</a:t>
+              <a:t>2019-07-19</a:t>
             </a:fld>
             <a:endParaRPr lang="ko-KR" altLang="en-US"/>
           </a:p>
@@ -1621,7 +1623,7 @@
           <a:p>
             <a:fld id="{4A1C758F-DBB4-457E-A726-1AAB5F25B981}" type="datetime1">
               <a:rPr lang="ko-KR" altLang="en-US" smtClean="0"/>
-              <a:t>2019-07-17</a:t>
+              <a:t>2019-07-19</a:t>
             </a:fld>
             <a:endParaRPr lang="ko-KR" altLang="en-US"/>
           </a:p>
@@ -2043,7 +2045,7 @@
           <a:p>
             <a:fld id="{7B601672-9529-4A60-880B-20248A654710}" type="datetime1">
               <a:rPr lang="ko-KR" altLang="en-US" smtClean="0"/>
-              <a:t>2019-07-17</a:t>
+              <a:t>2019-07-19</a:t>
             </a:fld>
             <a:endParaRPr lang="ko-KR" altLang="en-US"/>
           </a:p>
@@ -2161,7 +2163,7 @@
           <a:p>
             <a:fld id="{C95B78CF-F6D9-4B1C-9763-19B11B300263}" type="datetime1">
               <a:rPr lang="ko-KR" altLang="en-US" smtClean="0"/>
-              <a:t>2019-07-17</a:t>
+              <a:t>2019-07-19</a:t>
             </a:fld>
             <a:endParaRPr lang="ko-KR" altLang="en-US"/>
           </a:p>
@@ -2256,7 +2258,7 @@
           <a:p>
             <a:fld id="{5922D0F6-4AA9-49FC-859A-85F46D10708C}" type="datetime1">
               <a:rPr lang="ko-KR" altLang="en-US" smtClean="0"/>
-              <a:t>2019-07-17</a:t>
+              <a:t>2019-07-19</a:t>
             </a:fld>
             <a:endParaRPr lang="ko-KR" altLang="en-US"/>
           </a:p>
@@ -2533,7 +2535,7 @@
           <a:p>
             <a:fld id="{CEDA55FF-F5DC-4391-BDEA-D69D740997F9}" type="datetime1">
               <a:rPr lang="ko-KR" altLang="en-US" smtClean="0"/>
-              <a:t>2019-07-17</a:t>
+              <a:t>2019-07-19</a:t>
             </a:fld>
             <a:endParaRPr lang="ko-KR" altLang="en-US"/>
           </a:p>
@@ -2786,7 +2788,7 @@
           <a:p>
             <a:fld id="{D2D6606D-0E2F-4E15-83D6-FE608293D64D}" type="datetime1">
               <a:rPr lang="ko-KR" altLang="en-US" smtClean="0"/>
-              <a:t>2019-07-17</a:t>
+              <a:t>2019-07-19</a:t>
             </a:fld>
             <a:endParaRPr lang="ko-KR" altLang="en-US"/>
           </a:p>
@@ -2999,7 +3001,7 @@
           <a:p>
             <a:fld id="{7F3773C4-A1CC-40B4-8E1B-E8B2DF0E5786}" type="datetime1">
               <a:rPr lang="ko-KR" altLang="en-US" smtClean="0"/>
-              <a:t>2019-07-17</a:t>
+              <a:t>2019-07-19</a:t>
             </a:fld>
             <a:endParaRPr lang="ko-KR" altLang="en-US"/>
           </a:p>
@@ -3780,14 +3782,7 @@
                 <a:latin typeface="D2Coding ligature" pitchFamily="49" charset="-127"/>
                 <a:ea typeface="D2Coding ligature" pitchFamily="49" charset="-127"/>
               </a:rPr>
-              <a:t>연도를 </a:t>
-            </a:r>
-            <a:r>
-              <a:rPr lang="ko-KR" altLang="en-US" sz="1400" dirty="0" smtClean="0">
-                <a:latin typeface="D2Coding ligature" pitchFamily="49" charset="-127"/>
-                <a:ea typeface="D2Coding ligature" pitchFamily="49" charset="-127"/>
-              </a:rPr>
-              <a:t>입력으로 받아</a:t>
+              <a:t>연도를 입력으로 받아</a:t>
             </a:r>
             <a:r>
               <a:rPr lang="en-US" altLang="ko-KR" sz="1400" dirty="0" smtClean="0">
@@ -7145,6 +7140,2043 @@
     <p:extLst>
       <p:ext uri="{BB962C8B-B14F-4D97-AF65-F5344CB8AC3E}">
         <p14:creationId xmlns:p14="http://schemas.microsoft.com/office/powerpoint/2010/main" val="2083701672"/>
+      </p:ext>
+    </p:extLst>
+  </p:cSld>
+  <p:clrMapOvr>
+    <a:masterClrMapping/>
+  </p:clrMapOvr>
+  <p:timing>
+    <p:tnLst>
+      <p:par>
+        <p:cTn id="1" dur="indefinite" restart="never" nodeType="tmRoot"/>
+      </p:par>
+    </p:tnLst>
+  </p:timing>
+</p:sld>
+</file>
+
+<file path=ppt/slides/slide5.xml><?xml version="1.0" encoding="utf-8"?>
+<p:sld xmlns:a="http://schemas.openxmlformats.org/drawingml/2006/main" xmlns:r="http://schemas.openxmlformats.org/officeDocument/2006/relationships" xmlns:p="http://schemas.openxmlformats.org/presentationml/2006/main">
+  <p:cSld>
+    <p:spTree>
+      <p:nvGrpSpPr>
+        <p:cNvPr id="1" name=""/>
+        <p:cNvGrpSpPr/>
+        <p:nvPr/>
+      </p:nvGrpSpPr>
+      <p:grpSpPr>
+        <a:xfrm>
+          <a:off x="0" y="0"/>
+          <a:ext cx="0" cy="0"/>
+          <a:chOff x="0" y="0"/>
+          <a:chExt cx="0" cy="0"/>
+        </a:xfrm>
+      </p:grpSpPr>
+      <p:sp>
+        <p:nvSpPr>
+          <p:cNvPr id="5" name="TextBox 4"/>
+          <p:cNvSpPr txBox="1"/>
+          <p:nvPr/>
+        </p:nvSpPr>
+        <p:spPr>
+          <a:xfrm>
+            <a:off x="361308" y="136110"/>
+            <a:ext cx="2008883" cy="369332"/>
+          </a:xfrm>
+          <a:prstGeom prst="rect">
+            <a:avLst/>
+          </a:prstGeom>
+          <a:noFill/>
+        </p:spPr>
+        <p:txBody>
+          <a:bodyPr wrap="none" rtlCol="0">
+            <a:spAutoFit/>
+          </a:bodyPr>
+          <a:lstStyle/>
+          <a:p>
+            <a:r>
+              <a:rPr lang="en-US" altLang="ko-KR" b="1" dirty="0" smtClean="0"/>
+              <a:t>3. </a:t>
+            </a:r>
+            <a:r>
+              <a:rPr lang="ko-KR" altLang="en-US" b="1" dirty="0" smtClean="0"/>
+              <a:t>문자열 및 파일</a:t>
+            </a:r>
+            <a:endParaRPr lang="ko-KR" altLang="en-US" b="1" dirty="0"/>
+          </a:p>
+        </p:txBody>
+      </p:sp>
+      <p:sp>
+        <p:nvSpPr>
+          <p:cNvPr id="2" name="슬라이드 번호 개체 틀 1"/>
+          <p:cNvSpPr>
+            <a:spLocks noGrp="1"/>
+          </p:cNvSpPr>
+          <p:nvPr>
+            <p:ph type="sldNum" sz="quarter" idx="12"/>
+          </p:nvPr>
+        </p:nvSpPr>
+        <p:spPr/>
+        <p:txBody>
+          <a:bodyPr/>
+          <a:lstStyle/>
+          <a:p>
+            <a:r>
+              <a:rPr lang="en-US" altLang="ko-KR" smtClean="0"/>
+              <a:t>- </a:t>
+            </a:r>
+            <a:fld id="{49DB445C-4329-4AA7-BCEF-971B825554EE}" type="slidenum">
+              <a:rPr lang="ko-KR" altLang="en-US" smtClean="0"/>
+              <a:pPr/>
+              <a:t>4</a:t>
+            </a:fld>
+            <a:r>
+              <a:rPr lang="ko-KR" altLang="en-US" smtClean="0"/>
+              <a:t> </a:t>
+            </a:r>
+            <a:r>
+              <a:rPr lang="en-US" altLang="ko-KR" smtClean="0"/>
+              <a:t>-</a:t>
+            </a:r>
+            <a:endParaRPr lang="ko-KR" altLang="en-US" dirty="0"/>
+          </a:p>
+        </p:txBody>
+      </p:sp>
+      <p:sp>
+        <p:nvSpPr>
+          <p:cNvPr id="7" name="TextBox 6"/>
+          <p:cNvSpPr txBox="1"/>
+          <p:nvPr/>
+        </p:nvSpPr>
+        <p:spPr>
+          <a:xfrm>
+            <a:off x="353673" y="728112"/>
+            <a:ext cx="9135831" cy="4832092"/>
+          </a:xfrm>
+          <a:prstGeom prst="rect">
+            <a:avLst/>
+          </a:prstGeom>
+          <a:noFill/>
+        </p:spPr>
+        <p:txBody>
+          <a:bodyPr wrap="square" rtlCol="0">
+            <a:spAutoFit/>
+          </a:bodyPr>
+          <a:lstStyle/>
+          <a:p>
+            <a:pPr marL="800100" lvl="1" indent="-342900">
+              <a:buFont typeface="+mj-lt"/>
+              <a:buAutoNum type="arabicPeriod"/>
+            </a:pPr>
+            <a:r>
+              <a:rPr lang="ko-KR" altLang="en-US" sz="1400" dirty="0">
+                <a:latin typeface="D2Coding ligature" pitchFamily="49" charset="-127"/>
+                <a:ea typeface="D2Coding ligature" pitchFamily="49" charset="-127"/>
+              </a:rPr>
+              <a:t>앞에서부터 읽을 때나 뒤에서부터 읽을 때나 모양이 같은 수를 </a:t>
+            </a:r>
+            <a:r>
+              <a:rPr lang="ko-KR" altLang="en-US" sz="1400" dirty="0" err="1">
+                <a:latin typeface="D2Coding ligature" pitchFamily="49" charset="-127"/>
+                <a:ea typeface="D2Coding ligature" pitchFamily="49" charset="-127"/>
+              </a:rPr>
+              <a:t>대칭수</a:t>
+            </a:r>
+            <a:r>
+              <a:rPr lang="en-US" altLang="ko-KR" sz="1400" dirty="0">
+                <a:latin typeface="D2Coding ligature" pitchFamily="49" charset="-127"/>
+                <a:ea typeface="D2Coding ligature" pitchFamily="49" charset="-127"/>
+              </a:rPr>
+              <a:t>(palindrome)</a:t>
+            </a:r>
+            <a:r>
+              <a:rPr lang="ko-KR" altLang="en-US" sz="1400" dirty="0">
+                <a:latin typeface="D2Coding ligature" pitchFamily="49" charset="-127"/>
+                <a:ea typeface="D2Coding ligature" pitchFamily="49" charset="-127"/>
+              </a:rPr>
+              <a:t>라고 부른다</a:t>
+            </a:r>
+            <a:r>
+              <a:rPr lang="en-US" altLang="ko-KR" sz="1400" dirty="0">
+                <a:latin typeface="D2Coding ligature" pitchFamily="49" charset="-127"/>
+                <a:ea typeface="D2Coding ligature" pitchFamily="49" charset="-127"/>
+              </a:rPr>
+              <a:t>.</a:t>
+            </a:r>
+            <a:br>
+              <a:rPr lang="en-US" altLang="ko-KR" sz="1400" dirty="0">
+                <a:latin typeface="D2Coding ligature" pitchFamily="49" charset="-127"/>
+                <a:ea typeface="D2Coding ligature" pitchFamily="49" charset="-127"/>
+              </a:rPr>
+            </a:br>
+            <a:r>
+              <a:rPr lang="ko-KR" altLang="en-US" sz="1400" dirty="0" smtClean="0">
+                <a:latin typeface="D2Coding ligature" pitchFamily="49" charset="-127"/>
+                <a:ea typeface="D2Coding ligature" pitchFamily="49" charset="-127"/>
+              </a:rPr>
+              <a:t>두 </a:t>
+            </a:r>
+            <a:r>
+              <a:rPr lang="ko-KR" altLang="en-US" sz="1400" dirty="0">
+                <a:latin typeface="D2Coding ligature" pitchFamily="49" charset="-127"/>
+                <a:ea typeface="D2Coding ligature" pitchFamily="49" charset="-127"/>
+              </a:rPr>
+              <a:t>자리 수를 곱해 만들 수 있는 </a:t>
+            </a:r>
+            <a:r>
+              <a:rPr lang="ko-KR" altLang="en-US" sz="1400" dirty="0" err="1">
+                <a:latin typeface="D2Coding ligature" pitchFamily="49" charset="-127"/>
+                <a:ea typeface="D2Coding ligature" pitchFamily="49" charset="-127"/>
+              </a:rPr>
+              <a:t>대칭수</a:t>
+            </a:r>
+            <a:r>
+              <a:rPr lang="ko-KR" altLang="en-US" sz="1400" dirty="0">
+                <a:latin typeface="D2Coding ligature" pitchFamily="49" charset="-127"/>
+                <a:ea typeface="D2Coding ligature" pitchFamily="49" charset="-127"/>
+              </a:rPr>
+              <a:t> 중 가장 큰 수는 </a:t>
+            </a:r>
+            <a:r>
+              <a:rPr lang="en-US" altLang="ko-KR" sz="1400" dirty="0">
+                <a:latin typeface="D2Coding ligature" pitchFamily="49" charset="-127"/>
+                <a:ea typeface="D2Coding ligature" pitchFamily="49" charset="-127"/>
+              </a:rPr>
+              <a:t>9009 (= 91 × 99) </a:t>
+            </a:r>
+            <a:r>
+              <a:rPr lang="ko-KR" altLang="en-US" sz="1400" dirty="0">
+                <a:latin typeface="D2Coding ligature" pitchFamily="49" charset="-127"/>
+                <a:ea typeface="D2Coding ligature" pitchFamily="49" charset="-127"/>
+              </a:rPr>
+              <a:t>이다</a:t>
+            </a:r>
+            <a:r>
+              <a:rPr lang="en-US" altLang="ko-KR" sz="1400" dirty="0">
+                <a:latin typeface="D2Coding ligature" pitchFamily="49" charset="-127"/>
+                <a:ea typeface="D2Coding ligature" pitchFamily="49" charset="-127"/>
+              </a:rPr>
+              <a:t>.</a:t>
+            </a:r>
+            <a:br>
+              <a:rPr lang="en-US" altLang="ko-KR" sz="1400" dirty="0">
+                <a:latin typeface="D2Coding ligature" pitchFamily="49" charset="-127"/>
+                <a:ea typeface="D2Coding ligature" pitchFamily="49" charset="-127"/>
+              </a:rPr>
+            </a:br>
+            <a:r>
+              <a:rPr lang="ko-KR" altLang="en-US" sz="1400" dirty="0" smtClean="0">
+                <a:latin typeface="D2Coding ligature" pitchFamily="49" charset="-127"/>
+                <a:ea typeface="D2Coding ligature" pitchFamily="49" charset="-127"/>
+              </a:rPr>
+              <a:t>세 </a:t>
+            </a:r>
+            <a:r>
+              <a:rPr lang="ko-KR" altLang="en-US" sz="1400" dirty="0">
+                <a:latin typeface="D2Coding ligature" pitchFamily="49" charset="-127"/>
+                <a:ea typeface="D2Coding ligature" pitchFamily="49" charset="-127"/>
+              </a:rPr>
+              <a:t>자리 수를 곱해 만들 수 있는 가장 큰 </a:t>
+            </a:r>
+            <a:r>
+              <a:rPr lang="ko-KR" altLang="en-US" sz="1400" dirty="0" err="1">
+                <a:latin typeface="D2Coding ligature" pitchFamily="49" charset="-127"/>
+                <a:ea typeface="D2Coding ligature" pitchFamily="49" charset="-127"/>
+              </a:rPr>
+              <a:t>대칭수는</a:t>
+            </a:r>
+            <a:r>
+              <a:rPr lang="ko-KR" altLang="en-US" sz="1400" dirty="0">
+                <a:latin typeface="D2Coding ligature" pitchFamily="49" charset="-127"/>
+                <a:ea typeface="D2Coding ligature" pitchFamily="49" charset="-127"/>
+              </a:rPr>
+              <a:t> 얼마인가</a:t>
+            </a:r>
+            <a:r>
+              <a:rPr lang="en-US" altLang="ko-KR" sz="1400" dirty="0">
+                <a:latin typeface="D2Coding ligature" pitchFamily="49" charset="-127"/>
+                <a:ea typeface="D2Coding ligature" pitchFamily="49" charset="-127"/>
+              </a:rPr>
+              <a:t>?</a:t>
+            </a:r>
+          </a:p>
+          <a:p>
+            <a:pPr marL="800100" lvl="1" indent="-342900">
+              <a:buFont typeface="+mj-lt"/>
+              <a:buAutoNum type="arabicPeriod"/>
+            </a:pPr>
+            <a:endParaRPr lang="en-US" altLang="ko-KR" sz="1400" dirty="0">
+              <a:latin typeface="D2Coding ligature" pitchFamily="49" charset="-127"/>
+              <a:ea typeface="D2Coding ligature" pitchFamily="49" charset="-127"/>
+            </a:endParaRPr>
+          </a:p>
+          <a:p>
+            <a:pPr marL="800100" lvl="1" indent="-342900">
+              <a:buFont typeface="+mj-lt"/>
+              <a:buAutoNum type="arabicPeriod"/>
+            </a:pPr>
+            <a:r>
+              <a:rPr lang="ko-KR" altLang="en-US" sz="1400" dirty="0" err="1">
+                <a:latin typeface="D2Coding ligature" pitchFamily="49" charset="-127"/>
+                <a:ea typeface="D2Coding ligature" pitchFamily="49" charset="-127"/>
+              </a:rPr>
+              <a:t>시저</a:t>
+            </a:r>
+            <a:r>
+              <a:rPr lang="ko-KR" altLang="en-US" sz="1400" dirty="0">
+                <a:latin typeface="D2Coding ligature" pitchFamily="49" charset="-127"/>
+                <a:ea typeface="D2Coding ligature" pitchFamily="49" charset="-127"/>
+              </a:rPr>
+              <a:t> 암호는</a:t>
+            </a:r>
+            <a:r>
+              <a:rPr lang="en-US" altLang="ko-KR" sz="1400" dirty="0">
+                <a:latin typeface="D2Coding ligature" pitchFamily="49" charset="-127"/>
+                <a:ea typeface="D2Coding ligature" pitchFamily="49" charset="-127"/>
+              </a:rPr>
+              <a:t>, </a:t>
+            </a:r>
+            <a:r>
+              <a:rPr lang="ko-KR" altLang="en-US" sz="1400" dirty="0">
+                <a:latin typeface="D2Coding ligature" pitchFamily="49" charset="-127"/>
+                <a:ea typeface="D2Coding ligature" pitchFamily="49" charset="-127"/>
+              </a:rPr>
+              <a:t>고대 로마의 황제 </a:t>
+            </a:r>
+            <a:r>
+              <a:rPr lang="ko-KR" altLang="en-US" sz="1400" dirty="0" err="1">
+                <a:latin typeface="D2Coding ligature" pitchFamily="49" charset="-127"/>
+                <a:ea typeface="D2Coding ligature" pitchFamily="49" charset="-127"/>
+              </a:rPr>
+              <a:t>줄리어스</a:t>
+            </a:r>
+            <a:r>
+              <a:rPr lang="ko-KR" altLang="en-US" sz="1400" dirty="0">
+                <a:latin typeface="D2Coding ligature" pitchFamily="49" charset="-127"/>
+                <a:ea typeface="D2Coding ligature" pitchFamily="49" charset="-127"/>
+              </a:rPr>
+              <a:t> </a:t>
+            </a:r>
+            <a:r>
+              <a:rPr lang="ko-KR" altLang="en-US" sz="1400" dirty="0" err="1">
+                <a:latin typeface="D2Coding ligature" pitchFamily="49" charset="-127"/>
+                <a:ea typeface="D2Coding ligature" pitchFamily="49" charset="-127"/>
+              </a:rPr>
+              <a:t>시저가</a:t>
+            </a:r>
+            <a:r>
+              <a:rPr lang="ko-KR" altLang="en-US" sz="1400" dirty="0">
+                <a:latin typeface="D2Coding ligature" pitchFamily="49" charset="-127"/>
+                <a:ea typeface="D2Coding ligature" pitchFamily="49" charset="-127"/>
+              </a:rPr>
+              <a:t> 만들어 낸 암호인데</a:t>
+            </a:r>
+            <a:r>
+              <a:rPr lang="en-US" altLang="ko-KR" sz="1400" dirty="0">
+                <a:latin typeface="D2Coding ligature" pitchFamily="49" charset="-127"/>
+                <a:ea typeface="D2Coding ligature" pitchFamily="49" charset="-127"/>
+              </a:rPr>
+              <a:t>,</a:t>
+            </a:r>
+            <a:br>
+              <a:rPr lang="en-US" altLang="ko-KR" sz="1400" dirty="0">
+                <a:latin typeface="D2Coding ligature" pitchFamily="49" charset="-127"/>
+                <a:ea typeface="D2Coding ligature" pitchFamily="49" charset="-127"/>
+              </a:rPr>
+            </a:br>
+            <a:r>
+              <a:rPr lang="ko-KR" altLang="en-US" sz="1400" dirty="0" smtClean="0">
+                <a:latin typeface="D2Coding ligature" pitchFamily="49" charset="-127"/>
+                <a:ea typeface="D2Coding ligature" pitchFamily="49" charset="-127"/>
+              </a:rPr>
+              <a:t>예를 </a:t>
+            </a:r>
+            <a:r>
+              <a:rPr lang="ko-KR" altLang="en-US" sz="1400" dirty="0">
+                <a:latin typeface="D2Coding ligature" pitchFamily="49" charset="-127"/>
+                <a:ea typeface="D2Coding ligature" pitchFamily="49" charset="-127"/>
+              </a:rPr>
+              <a:t>들어 알파벳 </a:t>
+            </a:r>
+            <a:r>
+              <a:rPr lang="en-US" altLang="ko-KR" sz="1400" dirty="0">
+                <a:latin typeface="D2Coding ligature" pitchFamily="49" charset="-127"/>
+                <a:ea typeface="D2Coding ligature" pitchFamily="49" charset="-127"/>
+              </a:rPr>
+              <a:t>A</a:t>
+            </a:r>
+            <a:r>
+              <a:rPr lang="ko-KR" altLang="en-US" sz="1400" dirty="0">
+                <a:latin typeface="D2Coding ligature" pitchFamily="49" charset="-127"/>
+                <a:ea typeface="D2Coding ligature" pitchFamily="49" charset="-127"/>
+              </a:rPr>
+              <a:t>를 입력했을 때</a:t>
+            </a:r>
+            <a:r>
+              <a:rPr lang="en-US" altLang="ko-KR" sz="1400" dirty="0">
+                <a:latin typeface="D2Coding ligature" pitchFamily="49" charset="-127"/>
+                <a:ea typeface="D2Coding ligature" pitchFamily="49" charset="-127"/>
+              </a:rPr>
+              <a:t>, </a:t>
+            </a:r>
+            <a:r>
+              <a:rPr lang="ko-KR" altLang="en-US" sz="1400" dirty="0">
+                <a:latin typeface="D2Coding ligature" pitchFamily="49" charset="-127"/>
+                <a:ea typeface="D2Coding ligature" pitchFamily="49" charset="-127"/>
+              </a:rPr>
+              <a:t>그 알파벳의 </a:t>
+            </a:r>
+            <a:r>
+              <a:rPr lang="en-US" altLang="ko-KR" sz="1400" dirty="0">
+                <a:latin typeface="D2Coding ligature" pitchFamily="49" charset="-127"/>
+                <a:ea typeface="D2Coding ligature" pitchFamily="49" charset="-127"/>
+              </a:rPr>
+              <a:t>n</a:t>
+            </a:r>
+            <a:r>
+              <a:rPr lang="ko-KR" altLang="en-US" sz="1400" dirty="0">
+                <a:latin typeface="D2Coding ligature" pitchFamily="49" charset="-127"/>
+                <a:ea typeface="D2Coding ligature" pitchFamily="49" charset="-127"/>
+              </a:rPr>
+              <a:t>개 뒤에 오는 알파벳이 출력되는 것이다</a:t>
+            </a:r>
+            <a:r>
+              <a:rPr lang="en-US" altLang="ko-KR" sz="1400" dirty="0">
+                <a:latin typeface="D2Coding ligature" pitchFamily="49" charset="-127"/>
+                <a:ea typeface="D2Coding ligature" pitchFamily="49" charset="-127"/>
+              </a:rPr>
+              <a:t>.</a:t>
+            </a:r>
+            <a:br>
+              <a:rPr lang="en-US" altLang="ko-KR" sz="1400" dirty="0">
+                <a:latin typeface="D2Coding ligature" pitchFamily="49" charset="-127"/>
+                <a:ea typeface="D2Coding ligature" pitchFamily="49" charset="-127"/>
+              </a:rPr>
+            </a:br>
+            <a:r>
+              <a:rPr lang="ko-KR" altLang="en-US" sz="1400" dirty="0" smtClean="0">
+                <a:latin typeface="D2Coding ligature" pitchFamily="49" charset="-127"/>
+                <a:ea typeface="D2Coding ligature" pitchFamily="49" charset="-127"/>
+              </a:rPr>
+              <a:t>예를 </a:t>
+            </a:r>
+            <a:r>
+              <a:rPr lang="ko-KR" altLang="en-US" sz="1400" dirty="0">
+                <a:latin typeface="D2Coding ligature" pitchFamily="49" charset="-127"/>
+                <a:ea typeface="D2Coding ligature" pitchFamily="49" charset="-127"/>
+              </a:rPr>
+              <a:t>들어 바꾸려는 단어가 </a:t>
+            </a:r>
+            <a:r>
+              <a:rPr lang="en-US" altLang="ko-KR" sz="1400" dirty="0">
+                <a:latin typeface="D2Coding ligature" pitchFamily="49" charset="-127"/>
+                <a:ea typeface="D2Coding ligature" pitchFamily="49" charset="-127"/>
+              </a:rPr>
+              <a:t>'CAT"</a:t>
+            </a:r>
+            <a:r>
+              <a:rPr lang="ko-KR" altLang="en-US" sz="1400" dirty="0">
+                <a:latin typeface="D2Coding ligature" pitchFamily="49" charset="-127"/>
+                <a:ea typeface="D2Coding ligature" pitchFamily="49" charset="-127"/>
+              </a:rPr>
+              <a:t>고</a:t>
+            </a:r>
+            <a:r>
+              <a:rPr lang="en-US" altLang="ko-KR" sz="1400" dirty="0">
+                <a:latin typeface="D2Coding ligature" pitchFamily="49" charset="-127"/>
+                <a:ea typeface="D2Coding ligature" pitchFamily="49" charset="-127"/>
+              </a:rPr>
+              <a:t>, n</a:t>
+            </a:r>
+            <a:r>
+              <a:rPr lang="ko-KR" altLang="en-US" sz="1400" dirty="0">
+                <a:latin typeface="D2Coding ligature" pitchFamily="49" charset="-127"/>
+                <a:ea typeface="D2Coding ligature" pitchFamily="49" charset="-127"/>
+              </a:rPr>
+              <a:t>을 </a:t>
+            </a:r>
+            <a:r>
+              <a:rPr lang="en-US" altLang="ko-KR" sz="1400" dirty="0">
+                <a:latin typeface="D2Coding ligature" pitchFamily="49" charset="-127"/>
+                <a:ea typeface="D2Coding ligature" pitchFamily="49" charset="-127"/>
+              </a:rPr>
+              <a:t>5</a:t>
+            </a:r>
+            <a:r>
+              <a:rPr lang="ko-KR" altLang="en-US" sz="1400" dirty="0">
+                <a:latin typeface="D2Coding ligature" pitchFamily="49" charset="-127"/>
+                <a:ea typeface="D2Coding ligature" pitchFamily="49" charset="-127"/>
+              </a:rPr>
+              <a:t>로 지정하였을 때 </a:t>
+            </a:r>
+            <a:r>
+              <a:rPr lang="en-US" altLang="ko-KR" sz="1400" dirty="0">
+                <a:latin typeface="D2Coding ligature" pitchFamily="49" charset="-127"/>
+                <a:ea typeface="D2Coding ligature" pitchFamily="49" charset="-127"/>
+              </a:rPr>
+              <a:t>"HFY"</a:t>
+            </a:r>
+            <a:r>
+              <a:rPr lang="ko-KR" altLang="en-US" sz="1400" dirty="0">
+                <a:latin typeface="D2Coding ligature" pitchFamily="49" charset="-127"/>
+                <a:ea typeface="D2Coding ligature" pitchFamily="49" charset="-127"/>
+              </a:rPr>
+              <a:t>가 되는 것이다</a:t>
+            </a:r>
+            <a:r>
+              <a:rPr lang="en-US" altLang="ko-KR" sz="1400" dirty="0">
+                <a:latin typeface="D2Coding ligature" pitchFamily="49" charset="-127"/>
+                <a:ea typeface="D2Coding ligature" pitchFamily="49" charset="-127"/>
+              </a:rPr>
+              <a:t>.</a:t>
+            </a:r>
+            <a:br>
+              <a:rPr lang="en-US" altLang="ko-KR" sz="1400" dirty="0">
+                <a:latin typeface="D2Coding ligature" pitchFamily="49" charset="-127"/>
+                <a:ea typeface="D2Coding ligature" pitchFamily="49" charset="-127"/>
+              </a:rPr>
+            </a:br>
+            <a:r>
+              <a:rPr lang="ko-KR" altLang="en-US" sz="1400" dirty="0" smtClean="0">
+                <a:latin typeface="D2Coding ligature" pitchFamily="49" charset="-127"/>
+                <a:ea typeface="D2Coding ligature" pitchFamily="49" charset="-127"/>
+              </a:rPr>
+              <a:t>어떠한 </a:t>
+            </a:r>
+            <a:r>
+              <a:rPr lang="ko-KR" altLang="en-US" sz="1400" dirty="0">
+                <a:latin typeface="D2Coding ligature" pitchFamily="49" charset="-127"/>
+                <a:ea typeface="D2Coding ligature" pitchFamily="49" charset="-127"/>
+              </a:rPr>
+              <a:t>암호를 만들 문장과 </a:t>
+            </a:r>
+            <a:r>
+              <a:rPr lang="en-US" altLang="ko-KR" sz="1400" dirty="0">
+                <a:latin typeface="D2Coding ligature" pitchFamily="49" charset="-127"/>
+                <a:ea typeface="D2Coding ligature" pitchFamily="49" charset="-127"/>
+              </a:rPr>
+              <a:t>n</a:t>
+            </a:r>
+            <a:r>
+              <a:rPr lang="ko-KR" altLang="en-US" sz="1400" dirty="0">
+                <a:latin typeface="D2Coding ligature" pitchFamily="49" charset="-127"/>
+                <a:ea typeface="D2Coding ligature" pitchFamily="49" charset="-127"/>
+              </a:rPr>
+              <a:t>을 입력했을 때 암호를 만들어 출력하는 프로그램을 작성하시오</a:t>
+            </a:r>
+            <a:r>
+              <a:rPr lang="en-US" altLang="ko-KR" sz="1400" dirty="0" smtClean="0">
+                <a:latin typeface="D2Coding ligature" pitchFamily="49" charset="-127"/>
+                <a:ea typeface="D2Coding ligature" pitchFamily="49" charset="-127"/>
+              </a:rPr>
+              <a:t>.</a:t>
+            </a:r>
+            <a:br>
+              <a:rPr lang="en-US" altLang="ko-KR" sz="1400" dirty="0" smtClean="0">
+                <a:latin typeface="D2Coding ligature" pitchFamily="49" charset="-127"/>
+                <a:ea typeface="D2Coding ligature" pitchFamily="49" charset="-127"/>
+              </a:rPr>
+            </a:br>
+            <a:r>
+              <a:rPr lang="en-US" altLang="ko-KR" sz="1400" dirty="0" smtClean="0">
+                <a:latin typeface="D2Coding ligature" pitchFamily="49" charset="-127"/>
+                <a:ea typeface="D2Coding ligature" pitchFamily="49" charset="-127"/>
+              </a:rPr>
+              <a:t/>
+            </a:r>
+            <a:br>
+              <a:rPr lang="en-US" altLang="ko-KR" sz="1400" dirty="0" smtClean="0">
+                <a:latin typeface="D2Coding ligature" pitchFamily="49" charset="-127"/>
+                <a:ea typeface="D2Coding ligature" pitchFamily="49" charset="-127"/>
+              </a:rPr>
+            </a:br>
+            <a:r>
+              <a:rPr lang="en-US" altLang="ko-KR" sz="1400" dirty="0" smtClean="0">
+                <a:latin typeface="D2Coding ligature" pitchFamily="49" charset="-127"/>
+                <a:ea typeface="D2Coding ligature" pitchFamily="49" charset="-127"/>
+              </a:rPr>
+              <a:t>- </a:t>
+            </a:r>
+            <a:r>
+              <a:rPr lang="ko-KR" altLang="en-US" sz="1400" dirty="0">
+                <a:latin typeface="D2Coding ligature" pitchFamily="49" charset="-127"/>
+                <a:ea typeface="D2Coding ligature" pitchFamily="49" charset="-127"/>
+              </a:rPr>
+              <a:t>입력 </a:t>
+            </a:r>
+            <a:r>
+              <a:rPr lang="en-US" altLang="ko-KR" sz="1400" dirty="0">
+                <a:latin typeface="D2Coding ligature" pitchFamily="49" charset="-127"/>
+                <a:ea typeface="D2Coding ligature" pitchFamily="49" charset="-127"/>
+              </a:rPr>
+              <a:t>: </a:t>
+            </a:r>
+            <a:r>
+              <a:rPr lang="ko-KR" altLang="en-US" sz="1400" dirty="0">
+                <a:latin typeface="D2Coding ligature" pitchFamily="49" charset="-127"/>
+                <a:ea typeface="D2Coding ligature" pitchFamily="49" charset="-127"/>
+              </a:rPr>
+              <a:t>화면에서 문자열과 </a:t>
+            </a:r>
+            <a:r>
+              <a:rPr lang="en-US" altLang="ko-KR" sz="1400" dirty="0">
+                <a:latin typeface="D2Coding ligature" pitchFamily="49" charset="-127"/>
+                <a:ea typeface="D2Coding ligature" pitchFamily="49" charset="-127"/>
+              </a:rPr>
+              <a:t>n</a:t>
+            </a:r>
+            <a:r>
+              <a:rPr lang="ko-KR" altLang="en-US" sz="1400" dirty="0">
+                <a:latin typeface="D2Coding ligature" pitchFamily="49" charset="-127"/>
+                <a:ea typeface="D2Coding ligature" pitchFamily="49" charset="-127"/>
+              </a:rPr>
+              <a:t>값을 </a:t>
+            </a:r>
+            <a:r>
+              <a:rPr lang="ko-KR" altLang="en-US" sz="1400" dirty="0" err="1">
+                <a:latin typeface="D2Coding ligature" pitchFamily="49" charset="-127"/>
+                <a:ea typeface="D2Coding ligature" pitchFamily="49" charset="-127"/>
+              </a:rPr>
+              <a:t>입력받는다</a:t>
+            </a:r>
+            <a:r>
+              <a:rPr lang="en-US" altLang="ko-KR" sz="1400" dirty="0">
+                <a:latin typeface="D2Coding ligature" pitchFamily="49" charset="-127"/>
+                <a:ea typeface="D2Coding ligature" pitchFamily="49" charset="-127"/>
+              </a:rPr>
+              <a:t>. (</a:t>
+            </a:r>
+            <a:r>
+              <a:rPr lang="ko-KR" altLang="en-US" sz="1400" dirty="0">
+                <a:latin typeface="D2Coding ligature" pitchFamily="49" charset="-127"/>
+                <a:ea typeface="D2Coding ligature" pitchFamily="49" charset="-127"/>
+              </a:rPr>
+              <a:t>예</a:t>
+            </a:r>
+            <a:r>
+              <a:rPr lang="en-US" altLang="ko-KR" sz="1400" dirty="0">
+                <a:latin typeface="D2Coding ligature" pitchFamily="49" charset="-127"/>
+                <a:ea typeface="D2Coding ligature" pitchFamily="49" charset="-127"/>
+              </a:rPr>
+              <a:t>: ROSE </a:t>
+            </a:r>
+            <a:r>
+              <a:rPr lang="en-US" altLang="ko-KR" sz="1400" dirty="0" smtClean="0">
+                <a:latin typeface="D2Coding ligature" pitchFamily="49" charset="-127"/>
+                <a:ea typeface="D2Coding ligature" pitchFamily="49" charset="-127"/>
+              </a:rPr>
+              <a:t>5</a:t>
+            </a:r>
+            <a:r>
+              <a:rPr lang="en-US" altLang="ko-KR" sz="1400" dirty="0">
+                <a:latin typeface="D2Coding ligature" pitchFamily="49" charset="-127"/>
+                <a:ea typeface="D2Coding ligature" pitchFamily="49" charset="-127"/>
+              </a:rPr>
+              <a:t>)</a:t>
+            </a:r>
+            <a:br>
+              <a:rPr lang="en-US" altLang="ko-KR" sz="1400" dirty="0">
+                <a:latin typeface="D2Coding ligature" pitchFamily="49" charset="-127"/>
+                <a:ea typeface="D2Coding ligature" pitchFamily="49" charset="-127"/>
+              </a:rPr>
+            </a:br>
+            <a:r>
+              <a:rPr lang="en-US" altLang="ko-KR" sz="1400" dirty="0">
+                <a:latin typeface="D2Coding ligature" pitchFamily="49" charset="-127"/>
+                <a:ea typeface="D2Coding ligature" pitchFamily="49" charset="-127"/>
+              </a:rPr>
+              <a:t/>
+            </a:r>
+            <a:br>
+              <a:rPr lang="en-US" altLang="ko-KR" sz="1400" dirty="0">
+                <a:latin typeface="D2Coding ligature" pitchFamily="49" charset="-127"/>
+                <a:ea typeface="D2Coding ligature" pitchFamily="49" charset="-127"/>
+              </a:rPr>
+            </a:br>
+            <a:r>
+              <a:rPr lang="en-US" altLang="ko-KR" sz="1400" dirty="0">
+                <a:latin typeface="D2Coding ligature" pitchFamily="49" charset="-127"/>
+                <a:ea typeface="D2Coding ligature" pitchFamily="49" charset="-127"/>
+              </a:rPr>
+              <a:t>- </a:t>
+            </a:r>
+            <a:r>
+              <a:rPr lang="ko-KR" altLang="en-US" sz="1400" dirty="0">
+                <a:latin typeface="D2Coding ligature" pitchFamily="49" charset="-127"/>
+                <a:ea typeface="D2Coding ligature" pitchFamily="49" charset="-127"/>
+              </a:rPr>
+              <a:t>출력 </a:t>
+            </a:r>
+            <a:r>
+              <a:rPr lang="en-US" altLang="ko-KR" sz="1400" dirty="0">
+                <a:latin typeface="D2Coding ligature" pitchFamily="49" charset="-127"/>
+                <a:ea typeface="D2Coding ligature" pitchFamily="49" charset="-127"/>
+              </a:rPr>
+              <a:t>: </a:t>
+            </a:r>
+            <a:r>
+              <a:rPr lang="ko-KR" altLang="en-US" sz="1400" dirty="0">
+                <a:latin typeface="D2Coding ligature" pitchFamily="49" charset="-127"/>
+                <a:ea typeface="D2Coding ligature" pitchFamily="49" charset="-127"/>
+              </a:rPr>
+              <a:t>암호화된 문자열을 </a:t>
+            </a:r>
+            <a:r>
+              <a:rPr lang="ko-KR" altLang="en-US" sz="1400" dirty="0" smtClean="0">
+                <a:latin typeface="D2Coding ligature" pitchFamily="49" charset="-127"/>
+                <a:ea typeface="D2Coding ligature" pitchFamily="49" charset="-127"/>
+              </a:rPr>
+              <a:t>출력</a:t>
+            </a:r>
+            <a:r>
+              <a:rPr lang="en-US" altLang="ko-KR" sz="1400" dirty="0" smtClean="0">
+                <a:latin typeface="D2Coding ligature" pitchFamily="49" charset="-127"/>
+                <a:ea typeface="D2Coding ligature" pitchFamily="49" charset="-127"/>
+              </a:rPr>
+              <a:t/>
+            </a:r>
+            <a:br>
+              <a:rPr lang="en-US" altLang="ko-KR" sz="1400" dirty="0" smtClean="0">
+                <a:latin typeface="D2Coding ligature" pitchFamily="49" charset="-127"/>
+                <a:ea typeface="D2Coding ligature" pitchFamily="49" charset="-127"/>
+              </a:rPr>
+            </a:br>
+            <a:endParaRPr lang="en-US" altLang="ko-KR" sz="1400" dirty="0">
+              <a:latin typeface="D2Coding ligature" pitchFamily="49" charset="-127"/>
+              <a:ea typeface="D2Coding ligature" pitchFamily="49" charset="-127"/>
+            </a:endParaRPr>
+          </a:p>
+          <a:p>
+            <a:pPr marL="800100" lvl="1" indent="-342900">
+              <a:buFont typeface="+mj-lt"/>
+              <a:buAutoNum type="arabicPeriod"/>
+            </a:pPr>
+            <a:r>
+              <a:rPr lang="en-US" altLang="ko-KR" sz="1400" dirty="0">
+                <a:latin typeface="D2Coding ligature" pitchFamily="49" charset="-127"/>
+                <a:ea typeface="D2Coding ligature" pitchFamily="49" charset="-127"/>
+              </a:rPr>
+              <a:t>Linux </a:t>
+            </a:r>
+            <a:r>
+              <a:rPr lang="ko-KR" altLang="en-US" sz="1400" dirty="0">
+                <a:latin typeface="D2Coding ligature" pitchFamily="49" charset="-127"/>
+                <a:ea typeface="D2Coding ligature" pitchFamily="49" charset="-127"/>
+              </a:rPr>
+              <a:t>명령어인 </a:t>
+            </a:r>
+            <a:r>
+              <a:rPr lang="en-US" altLang="ko-KR" sz="1400" dirty="0" err="1">
+                <a:latin typeface="D2Coding ligature" pitchFamily="49" charset="-127"/>
+                <a:ea typeface="D2Coding ligature" pitchFamily="49" charset="-127"/>
+              </a:rPr>
+              <a:t>grep</a:t>
+            </a:r>
+            <a:r>
+              <a:rPr lang="en-US" altLang="ko-KR" sz="1400" dirty="0">
+                <a:latin typeface="D2Coding ligature" pitchFamily="49" charset="-127"/>
+                <a:ea typeface="D2Coding ligature" pitchFamily="49" charset="-127"/>
+              </a:rPr>
+              <a:t> </a:t>
+            </a:r>
+            <a:r>
+              <a:rPr lang="ko-KR" altLang="en-US" sz="1400" dirty="0">
+                <a:latin typeface="D2Coding ligature" pitchFamily="49" charset="-127"/>
+                <a:ea typeface="D2Coding ligature" pitchFamily="49" charset="-127"/>
+              </a:rPr>
+              <a:t>을 </a:t>
+            </a:r>
+            <a:r>
+              <a:rPr lang="ko-KR" altLang="en-US" sz="1400" dirty="0" err="1">
+                <a:latin typeface="D2Coding ligature" pitchFamily="49" charset="-127"/>
+                <a:ea typeface="D2Coding ligature" pitchFamily="49" charset="-127"/>
+              </a:rPr>
+              <a:t>윈도우스에서</a:t>
+            </a:r>
+            <a:r>
+              <a:rPr lang="ko-KR" altLang="en-US" sz="1400" dirty="0">
+                <a:latin typeface="D2Coding ligature" pitchFamily="49" charset="-127"/>
+                <a:ea typeface="D2Coding ligature" pitchFamily="49" charset="-127"/>
+              </a:rPr>
+              <a:t> 만들어 보시오</a:t>
+            </a:r>
+            <a:r>
+              <a:rPr lang="en-US" altLang="ko-KR" sz="1400" dirty="0">
+                <a:latin typeface="D2Coding ligature" pitchFamily="49" charset="-127"/>
+                <a:ea typeface="D2Coding ligature" pitchFamily="49" charset="-127"/>
+              </a:rPr>
+              <a:t>.</a:t>
+            </a:r>
+          </a:p>
+          <a:p>
+            <a:pPr lvl="2"/>
+            <a:r>
+              <a:rPr lang="en-US" altLang="ko-KR" sz="1400" dirty="0">
+                <a:latin typeface="D2Coding ligature" pitchFamily="49" charset="-127"/>
+                <a:ea typeface="D2Coding ligature" pitchFamily="49" charset="-127"/>
+              </a:rPr>
+              <a:t/>
+            </a:r>
+            <a:br>
+              <a:rPr lang="en-US" altLang="ko-KR" sz="1400" dirty="0">
+                <a:latin typeface="D2Coding ligature" pitchFamily="49" charset="-127"/>
+                <a:ea typeface="D2Coding ligature" pitchFamily="49" charset="-127"/>
+              </a:rPr>
+            </a:br>
+            <a:r>
+              <a:rPr lang="ko-KR" altLang="en-US" sz="1400" dirty="0">
+                <a:latin typeface="D2Coding ligature" pitchFamily="49" charset="-127"/>
+                <a:ea typeface="D2Coding ligature" pitchFamily="49" charset="-127"/>
+              </a:rPr>
+              <a:t>입력 형태</a:t>
+            </a:r>
+          </a:p>
+          <a:p>
+            <a:pPr lvl="2"/>
+            <a:r>
+              <a:rPr lang="ko-KR" altLang="en-US" sz="1400" dirty="0">
+                <a:latin typeface="D2Coding ligature" pitchFamily="49" charset="-127"/>
+                <a:ea typeface="D2Coding ligature" pitchFamily="49" charset="-127"/>
+              </a:rPr>
+              <a:t>찾을 문자열</a:t>
+            </a:r>
+            <a:r>
+              <a:rPr lang="en-US" altLang="ko-KR" sz="1400" dirty="0">
+                <a:latin typeface="D2Coding ligature" pitchFamily="49" charset="-127"/>
+                <a:ea typeface="D2Coding ligature" pitchFamily="49" charset="-127"/>
+              </a:rPr>
+              <a:t>: public</a:t>
+            </a:r>
+          </a:p>
+          <a:p>
+            <a:pPr lvl="2"/>
+            <a:r>
+              <a:rPr lang="ko-KR" altLang="en-US" sz="1400" dirty="0">
+                <a:latin typeface="D2Coding ligature" pitchFamily="49" charset="-127"/>
+                <a:ea typeface="D2Coding ligature" pitchFamily="49" charset="-127"/>
+              </a:rPr>
+              <a:t>찾을 파일명</a:t>
+            </a:r>
+            <a:r>
+              <a:rPr lang="en-US" altLang="ko-KR" sz="1400" dirty="0">
+                <a:latin typeface="D2Coding ligature" pitchFamily="49" charset="-127"/>
+                <a:ea typeface="D2Coding ligature" pitchFamily="49" charset="-127"/>
+              </a:rPr>
+              <a:t>: f:/Workspace/Egov/xxx.java</a:t>
+            </a:r>
+          </a:p>
+          <a:p>
+            <a:pPr marL="1257300" lvl="2" indent="-342900">
+              <a:buFont typeface="+mj-lt"/>
+              <a:buAutoNum type="arabicPeriod"/>
+            </a:pPr>
+            <a:endParaRPr lang="en-US" altLang="ko-KR" sz="1400" dirty="0">
+              <a:latin typeface="D2Coding ligature" pitchFamily="49" charset="-127"/>
+              <a:ea typeface="D2Coding ligature" pitchFamily="49" charset="-127"/>
+            </a:endParaRPr>
+          </a:p>
+          <a:p>
+            <a:pPr lvl="2"/>
+            <a:r>
+              <a:rPr lang="ko-KR" altLang="en-US" sz="1400" dirty="0">
+                <a:latin typeface="D2Coding ligature" pitchFamily="49" charset="-127"/>
+                <a:ea typeface="D2Coding ligature" pitchFamily="49" charset="-127"/>
+              </a:rPr>
+              <a:t>출력 형태</a:t>
+            </a:r>
+          </a:p>
+          <a:p>
+            <a:pPr lvl="2"/>
+            <a:r>
+              <a:rPr lang="en-US" altLang="ko-KR" sz="1400" dirty="0">
+                <a:latin typeface="D2Coding ligature" pitchFamily="49" charset="-127"/>
+                <a:ea typeface="D2Coding ligature" pitchFamily="49" charset="-127"/>
+              </a:rPr>
+              <a:t>13: public class </a:t>
+            </a:r>
+            <a:r>
+              <a:rPr lang="en-US" altLang="ko-KR" sz="1400" dirty="0" err="1">
+                <a:latin typeface="D2Coding ligature" pitchFamily="49" charset="-127"/>
+                <a:ea typeface="D2Coding ligature" pitchFamily="49" charset="-127"/>
+              </a:rPr>
+              <a:t>ClassA</a:t>
+            </a:r>
+            <a:r>
+              <a:rPr lang="en-US" altLang="ko-KR" sz="1400" dirty="0">
+                <a:latin typeface="D2Coding ligature" pitchFamily="49" charset="-127"/>
+                <a:ea typeface="D2Coding ligature" pitchFamily="49" charset="-127"/>
+              </a:rPr>
+              <a:t> {</a:t>
+            </a:r>
+          </a:p>
+          <a:p>
+            <a:pPr lvl="2"/>
+            <a:r>
+              <a:rPr lang="en-US" altLang="ko-KR" sz="1400" dirty="0">
+                <a:latin typeface="D2Coding ligature" pitchFamily="49" charset="-127"/>
+                <a:ea typeface="D2Coding ligature" pitchFamily="49" charset="-127"/>
+              </a:rPr>
+              <a:t>16:     public </a:t>
+            </a:r>
+            <a:r>
+              <a:rPr lang="en-US" altLang="ko-KR" sz="1400" dirty="0" err="1">
+                <a:latin typeface="D2Coding ligature" pitchFamily="49" charset="-127"/>
+                <a:ea typeface="D2Coding ligature" pitchFamily="49" charset="-127"/>
+              </a:rPr>
+              <a:t>int</a:t>
+            </a:r>
+            <a:r>
+              <a:rPr lang="en-US" altLang="ko-KR" sz="1400" dirty="0">
+                <a:latin typeface="D2Coding ligature" pitchFamily="49" charset="-127"/>
+                <a:ea typeface="D2Coding ligature" pitchFamily="49" charset="-127"/>
+              </a:rPr>
+              <a:t> number;</a:t>
+            </a:r>
+          </a:p>
+        </p:txBody>
+      </p:sp>
+    </p:spTree>
+    <p:extLst>
+      <p:ext uri="{BB962C8B-B14F-4D97-AF65-F5344CB8AC3E}">
+        <p14:creationId xmlns:p14="http://schemas.microsoft.com/office/powerpoint/2010/main" val="3592242644"/>
+      </p:ext>
+    </p:extLst>
+  </p:cSld>
+  <p:clrMapOvr>
+    <a:masterClrMapping/>
+  </p:clrMapOvr>
+  <p:timing>
+    <p:tnLst>
+      <p:par>
+        <p:cTn id="1" dur="indefinite" restart="never" nodeType="tmRoot"/>
+      </p:par>
+    </p:tnLst>
+  </p:timing>
+</p:sld>
+</file>
+
+<file path=ppt/slides/slide6.xml><?xml version="1.0" encoding="utf-8"?>
+<p:sld xmlns:a="http://schemas.openxmlformats.org/drawingml/2006/main" xmlns:r="http://schemas.openxmlformats.org/officeDocument/2006/relationships" xmlns:p="http://schemas.openxmlformats.org/presentationml/2006/main">
+  <p:cSld>
+    <p:spTree>
+      <p:nvGrpSpPr>
+        <p:cNvPr id="1" name=""/>
+        <p:cNvGrpSpPr/>
+        <p:nvPr/>
+      </p:nvGrpSpPr>
+      <p:grpSpPr>
+        <a:xfrm>
+          <a:off x="0" y="0"/>
+          <a:ext cx="0" cy="0"/>
+          <a:chOff x="0" y="0"/>
+          <a:chExt cx="0" cy="0"/>
+        </a:xfrm>
+      </p:grpSpPr>
+      <p:sp>
+        <p:nvSpPr>
+          <p:cNvPr id="2" name="슬라이드 번호 개체 틀 1"/>
+          <p:cNvSpPr>
+            <a:spLocks noGrp="1"/>
+          </p:cNvSpPr>
+          <p:nvPr>
+            <p:ph type="sldNum" sz="quarter" idx="12"/>
+          </p:nvPr>
+        </p:nvSpPr>
+        <p:spPr/>
+        <p:txBody>
+          <a:bodyPr/>
+          <a:lstStyle/>
+          <a:p>
+            <a:r>
+              <a:rPr lang="en-US" altLang="ko-KR" smtClean="0"/>
+              <a:t>- </a:t>
+            </a:r>
+            <a:fld id="{49DB445C-4329-4AA7-BCEF-971B825554EE}" type="slidenum">
+              <a:rPr lang="ko-KR" altLang="en-US" smtClean="0"/>
+              <a:pPr/>
+              <a:t>5</a:t>
+            </a:fld>
+            <a:r>
+              <a:rPr lang="ko-KR" altLang="en-US" smtClean="0"/>
+              <a:t> </a:t>
+            </a:r>
+            <a:r>
+              <a:rPr lang="en-US" altLang="ko-KR" smtClean="0"/>
+              <a:t>-</a:t>
+            </a:r>
+            <a:endParaRPr lang="ko-KR" altLang="en-US" dirty="0"/>
+          </a:p>
+        </p:txBody>
+      </p:sp>
+      <p:sp>
+        <p:nvSpPr>
+          <p:cNvPr id="7" name="TextBox 6"/>
+          <p:cNvSpPr txBox="1"/>
+          <p:nvPr/>
+        </p:nvSpPr>
+        <p:spPr>
+          <a:xfrm>
+            <a:off x="353673" y="728112"/>
+            <a:ext cx="9279847" cy="5693866"/>
+          </a:xfrm>
+          <a:prstGeom prst="rect">
+            <a:avLst/>
+          </a:prstGeom>
+          <a:noFill/>
+        </p:spPr>
+        <p:txBody>
+          <a:bodyPr wrap="square" rtlCol="0">
+            <a:spAutoFit/>
+          </a:bodyPr>
+          <a:lstStyle/>
+          <a:p>
+            <a:pPr marL="800100" lvl="1" indent="-342900">
+              <a:buFont typeface="+mj-lt"/>
+              <a:buAutoNum type="arabicPeriod" startAt="4"/>
+            </a:pPr>
+            <a:r>
+              <a:rPr lang="ko-KR" altLang="en-US" sz="1400" dirty="0">
+                <a:latin typeface="D2Coding ligature" pitchFamily="49" charset="-127"/>
+                <a:ea typeface="D2Coding ligature" pitchFamily="49" charset="-127"/>
+              </a:rPr>
+              <a:t>텍스트를 파일에서 읽어 단어의 개수를 세는 프로그램 </a:t>
+            </a:r>
+            <a:r>
+              <a:rPr lang="en-US" altLang="ko-KR" sz="1400" dirty="0">
+                <a:latin typeface="D2Coding ligature" pitchFamily="49" charset="-127"/>
+                <a:ea typeface="D2Coding ligature" pitchFamily="49" charset="-127"/>
+              </a:rPr>
+              <a:t>Word Count</a:t>
+            </a:r>
+            <a:r>
+              <a:rPr lang="ko-KR" altLang="en-US" sz="1400" dirty="0">
+                <a:latin typeface="D2Coding ligature" pitchFamily="49" charset="-127"/>
+                <a:ea typeface="D2Coding ligature" pitchFamily="49" charset="-127"/>
+              </a:rPr>
+              <a:t>를 작성하시오</a:t>
+            </a:r>
+            <a:r>
+              <a:rPr lang="en-US" altLang="ko-KR" sz="1400" dirty="0">
+                <a:latin typeface="D2Coding ligature" pitchFamily="49" charset="-127"/>
+                <a:ea typeface="D2Coding ligature" pitchFamily="49" charset="-127"/>
+              </a:rPr>
+              <a:t>.</a:t>
+            </a:r>
+            <a:br>
+              <a:rPr lang="en-US" altLang="ko-KR" sz="1400" dirty="0">
+                <a:latin typeface="D2Coding ligature" pitchFamily="49" charset="-127"/>
+                <a:ea typeface="D2Coding ligature" pitchFamily="49" charset="-127"/>
+              </a:rPr>
+            </a:br>
+            <a:r>
+              <a:rPr lang="ko-KR" altLang="en-US" sz="1400" dirty="0">
+                <a:latin typeface="D2Coding ligature" pitchFamily="49" charset="-127"/>
+                <a:ea typeface="D2Coding ligature" pitchFamily="49" charset="-127"/>
+              </a:rPr>
+              <a:t>입력은 텍스트 파일이고</a:t>
+            </a:r>
+            <a:r>
+              <a:rPr lang="en-US" altLang="ko-KR" sz="1400" dirty="0">
+                <a:latin typeface="D2Coding ligature" pitchFamily="49" charset="-127"/>
+                <a:ea typeface="D2Coding ligature" pitchFamily="49" charset="-127"/>
+              </a:rPr>
+              <a:t>, </a:t>
+            </a:r>
+            <a:r>
+              <a:rPr lang="ko-KR" altLang="en-US" sz="1400" dirty="0" err="1">
+                <a:latin typeface="D2Coding ligature" pitchFamily="49" charset="-127"/>
+                <a:ea typeface="D2Coding ligature" pitchFamily="49" charset="-127"/>
+              </a:rPr>
+              <a:t>구분자는</a:t>
+            </a:r>
+            <a:r>
+              <a:rPr lang="ko-KR" altLang="en-US" sz="1400" dirty="0">
+                <a:latin typeface="D2Coding ligature" pitchFamily="49" charset="-127"/>
+                <a:ea typeface="D2Coding ligature" pitchFamily="49" charset="-127"/>
+              </a:rPr>
+              <a:t> 마침표</a:t>
+            </a:r>
+            <a:r>
+              <a:rPr lang="en-US" altLang="ko-KR" sz="1400" dirty="0">
+                <a:latin typeface="D2Coding ligature" pitchFamily="49" charset="-127"/>
+                <a:ea typeface="D2Coding ligature" pitchFamily="49" charset="-127"/>
+              </a:rPr>
+              <a:t>(‘.’), </a:t>
+            </a:r>
+            <a:r>
+              <a:rPr lang="ko-KR" altLang="en-US" sz="1400" dirty="0" err="1">
+                <a:latin typeface="D2Coding ligature" pitchFamily="49" charset="-127"/>
+                <a:ea typeface="D2Coding ligature" pitchFamily="49" charset="-127"/>
+              </a:rPr>
+              <a:t>쉽표</a:t>
+            </a:r>
+            <a:r>
+              <a:rPr lang="en-US" altLang="ko-KR" sz="1400" dirty="0">
+                <a:latin typeface="D2Coding ligature" pitchFamily="49" charset="-127"/>
+                <a:ea typeface="D2Coding ligature" pitchFamily="49" charset="-127"/>
+              </a:rPr>
+              <a:t>(‘,’), </a:t>
+            </a:r>
+            <a:r>
+              <a:rPr lang="ko-KR" altLang="en-US" sz="1400" dirty="0">
+                <a:latin typeface="D2Coding ligature" pitchFamily="49" charset="-127"/>
+                <a:ea typeface="D2Coding ligature" pitchFamily="49" charset="-127"/>
+              </a:rPr>
+              <a:t>공백</a:t>
+            </a:r>
+            <a:r>
+              <a:rPr lang="en-US" altLang="ko-KR" sz="1400" dirty="0">
+                <a:latin typeface="D2Coding ligature" pitchFamily="49" charset="-127"/>
+                <a:ea typeface="D2Coding ligature" pitchFamily="49" charset="-127"/>
+              </a:rPr>
+              <a:t>(‘ ‘)</a:t>
+            </a:r>
+            <a:r>
+              <a:rPr lang="ko-KR" altLang="en-US" sz="1400" dirty="0">
+                <a:latin typeface="D2Coding ligature" pitchFamily="49" charset="-127"/>
+                <a:ea typeface="D2Coding ligature" pitchFamily="49" charset="-127"/>
+              </a:rPr>
+              <a:t>이다</a:t>
+            </a:r>
+            <a:r>
+              <a:rPr lang="en-US" altLang="ko-KR" sz="1400" dirty="0">
+                <a:latin typeface="D2Coding ligature" pitchFamily="49" charset="-127"/>
+                <a:ea typeface="D2Coding ligature" pitchFamily="49" charset="-127"/>
+              </a:rPr>
+              <a:t>.</a:t>
+            </a:r>
+            <a:br>
+              <a:rPr lang="en-US" altLang="ko-KR" sz="1400" dirty="0">
+                <a:latin typeface="D2Coding ligature" pitchFamily="49" charset="-127"/>
+                <a:ea typeface="D2Coding ligature" pitchFamily="49" charset="-127"/>
+              </a:rPr>
+            </a:br>
+            <a:r>
+              <a:rPr lang="ko-KR" altLang="en-US" sz="1400" dirty="0">
+                <a:latin typeface="D2Coding ligature" pitchFamily="49" charset="-127"/>
+                <a:ea typeface="D2Coding ligature" pitchFamily="49" charset="-127"/>
+              </a:rPr>
+              <a:t>출력은 총 </a:t>
+            </a:r>
+            <a:r>
+              <a:rPr lang="ko-KR" altLang="en-US" sz="1400" dirty="0" err="1">
+                <a:latin typeface="D2Coding ligature" pitchFamily="49" charset="-127"/>
+                <a:ea typeface="D2Coding ligature" pitchFamily="49" charset="-127"/>
+              </a:rPr>
+              <a:t>단어수와</a:t>
+            </a:r>
+            <a:r>
+              <a:rPr lang="ko-KR" altLang="en-US" sz="1400" dirty="0">
+                <a:latin typeface="D2Coding ligature" pitchFamily="49" charset="-127"/>
+                <a:ea typeface="D2Coding ligature" pitchFamily="49" charset="-127"/>
+              </a:rPr>
+              <a:t> 가장 많이 나온 순서대로 단어 </a:t>
+            </a:r>
+            <a:r>
+              <a:rPr lang="en-US" altLang="ko-KR" sz="1400" dirty="0">
+                <a:latin typeface="D2Coding ligature" pitchFamily="49" charset="-127"/>
+                <a:ea typeface="D2Coding ligature" pitchFamily="49" charset="-127"/>
+              </a:rPr>
+              <a:t>10</a:t>
+            </a:r>
+            <a:r>
+              <a:rPr lang="ko-KR" altLang="en-US" sz="1400" dirty="0">
+                <a:latin typeface="D2Coding ligature" pitchFamily="49" charset="-127"/>
+                <a:ea typeface="D2Coding ligature" pitchFamily="49" charset="-127"/>
+              </a:rPr>
+              <a:t>개와 그 단어의 빈도이다</a:t>
+            </a:r>
+            <a:r>
+              <a:rPr lang="en-US" altLang="ko-KR" sz="1400" dirty="0">
+                <a:latin typeface="D2Coding ligature" pitchFamily="49" charset="-127"/>
+                <a:ea typeface="D2Coding ligature" pitchFamily="49" charset="-127"/>
+              </a:rPr>
+              <a:t>.</a:t>
+            </a:r>
+          </a:p>
+          <a:p>
+            <a:pPr marL="800100" lvl="1" indent="-342900">
+              <a:buFont typeface="+mj-lt"/>
+              <a:buAutoNum type="arabicPeriod" startAt="4"/>
+            </a:pPr>
+            <a:endParaRPr lang="en-US" altLang="ko-KR" sz="1400" dirty="0">
+              <a:latin typeface="D2Coding ligature" pitchFamily="49" charset="-127"/>
+              <a:ea typeface="D2Coding ligature" pitchFamily="49" charset="-127"/>
+            </a:endParaRPr>
+          </a:p>
+          <a:p>
+            <a:pPr marL="800100" lvl="1" indent="-342900">
+              <a:buFont typeface="+mj-lt"/>
+              <a:buAutoNum type="arabicPeriod" startAt="4"/>
+            </a:pPr>
+            <a:r>
+              <a:rPr lang="ko-KR" altLang="en-US" sz="1400" dirty="0">
+                <a:latin typeface="D2Coding ligature" pitchFamily="49" charset="-127"/>
+                <a:ea typeface="D2Coding ligature" pitchFamily="49" charset="-127"/>
+              </a:rPr>
+              <a:t>다음의 지시대로 폴더와 파일을 프로그램에서 만드시오</a:t>
+            </a:r>
+            <a:r>
+              <a:rPr lang="en-US" altLang="ko-KR" sz="1400" dirty="0" smtClean="0">
+                <a:latin typeface="D2Coding ligature" pitchFamily="49" charset="-127"/>
+                <a:ea typeface="D2Coding ligature" pitchFamily="49" charset="-127"/>
+              </a:rPr>
+              <a:t>.</a:t>
+            </a:r>
+          </a:p>
+          <a:p>
+            <a:pPr marL="1257300" lvl="2" indent="-342900">
+              <a:buFont typeface="D2Coding ligature" pitchFamily="49" charset="-127"/>
+              <a:buChar char="-"/>
+            </a:pPr>
+            <a:r>
+              <a:rPr lang="ko-KR" altLang="en-US" sz="1400" dirty="0">
+                <a:latin typeface="D2Coding ligature" pitchFamily="49" charset="-127"/>
+                <a:ea typeface="D2Coding ligature" pitchFamily="49" charset="-127"/>
+              </a:rPr>
+              <a:t>랜덤으로 </a:t>
+            </a:r>
+            <a:r>
+              <a:rPr lang="en-US" altLang="ko-KR" sz="1400" dirty="0">
+                <a:latin typeface="D2Coding ligature" pitchFamily="49" charset="-127"/>
+                <a:ea typeface="D2Coding ligature" pitchFamily="49" charset="-127"/>
+              </a:rPr>
+              <a:t>1, 2, 3 </a:t>
+            </a:r>
+            <a:r>
+              <a:rPr lang="ko-KR" altLang="en-US" sz="1400" dirty="0">
+                <a:latin typeface="D2Coding ligature" pitchFamily="49" charset="-127"/>
+                <a:ea typeface="D2Coding ligature" pitchFamily="49" charset="-127"/>
+              </a:rPr>
+              <a:t>중 하나를 내용으로 갖는 </a:t>
+            </a:r>
+            <a:r>
+              <a:rPr lang="en-US" altLang="ko-KR" sz="1400" dirty="0">
+                <a:latin typeface="D2Coding ligature" pitchFamily="49" charset="-127"/>
+                <a:ea typeface="D2Coding ligature" pitchFamily="49" charset="-127"/>
+              </a:rPr>
+              <a:t>txt </a:t>
+            </a:r>
+            <a:r>
+              <a:rPr lang="ko-KR" altLang="en-US" sz="1400" dirty="0">
+                <a:latin typeface="D2Coding ligature" pitchFamily="49" charset="-127"/>
+                <a:ea typeface="D2Coding ligature" pitchFamily="49" charset="-127"/>
+              </a:rPr>
+              <a:t>파일</a:t>
+            </a:r>
+            <a:r>
+              <a:rPr lang="en-US" altLang="ko-KR" sz="1400" dirty="0">
+                <a:latin typeface="D2Coding ligature" pitchFamily="49" charset="-127"/>
+                <a:ea typeface="D2Coding ligature" pitchFamily="49" charset="-127"/>
+              </a:rPr>
+              <a:t>100</a:t>
+            </a:r>
+            <a:r>
+              <a:rPr lang="ko-KR" altLang="en-US" sz="1400" dirty="0">
+                <a:latin typeface="D2Coding ligature" pitchFamily="49" charset="-127"/>
+                <a:ea typeface="D2Coding ligature" pitchFamily="49" charset="-127"/>
+              </a:rPr>
+              <a:t>개를 하나의 </a:t>
+            </a:r>
+            <a:r>
+              <a:rPr lang="ko-KR" altLang="en-US" sz="1400" dirty="0" err="1">
+                <a:latin typeface="D2Coding ligature" pitchFamily="49" charset="-127"/>
+                <a:ea typeface="D2Coding ligature" pitchFamily="49" charset="-127"/>
+              </a:rPr>
+              <a:t>디렉토리</a:t>
+            </a:r>
+            <a:r>
+              <a:rPr lang="en-US" altLang="ko-KR" sz="1400" dirty="0">
+                <a:latin typeface="D2Coding ligature" pitchFamily="49" charset="-127"/>
+                <a:ea typeface="D2Coding ligature" pitchFamily="49" charset="-127"/>
+              </a:rPr>
+              <a:t>(c:/Temp/Ex04) </a:t>
+            </a:r>
+            <a:r>
+              <a:rPr lang="ko-KR" altLang="en-US" sz="1400" dirty="0">
+                <a:latin typeface="D2Coding ligature" pitchFamily="49" charset="-127"/>
+                <a:ea typeface="D2Coding ligature" pitchFamily="49" charset="-127"/>
+              </a:rPr>
+              <a:t>안에 생성하는 코드를 작성하시오</a:t>
+            </a:r>
+            <a:r>
+              <a:rPr lang="en-US" altLang="ko-KR" sz="1400" dirty="0">
+                <a:latin typeface="D2Coding ligature" pitchFamily="49" charset="-127"/>
+                <a:ea typeface="D2Coding ligature" pitchFamily="49" charset="-127"/>
+              </a:rPr>
+              <a:t>. </a:t>
+            </a:r>
+            <a:br>
+              <a:rPr lang="en-US" altLang="ko-KR" sz="1400" dirty="0">
+                <a:latin typeface="D2Coding ligature" pitchFamily="49" charset="-127"/>
+                <a:ea typeface="D2Coding ligature" pitchFamily="49" charset="-127"/>
+              </a:rPr>
+            </a:br>
+            <a:r>
+              <a:rPr lang="en-US" altLang="ko-KR" sz="1400" dirty="0">
+                <a:latin typeface="D2Coding ligature" pitchFamily="49" charset="-127"/>
+                <a:ea typeface="D2Coding ligature" pitchFamily="49" charset="-127"/>
+              </a:rPr>
+              <a:t>(</a:t>
+            </a:r>
+            <a:r>
+              <a:rPr lang="ko-KR" altLang="en-US" sz="1400" dirty="0">
+                <a:latin typeface="D2Coding ligature" pitchFamily="49" charset="-127"/>
+                <a:ea typeface="D2Coding ligature" pitchFamily="49" charset="-127"/>
+              </a:rPr>
+              <a:t>파일 제목은 </a:t>
+            </a:r>
+            <a:r>
+              <a:rPr lang="en-US" altLang="ko-KR" sz="1400" dirty="0">
+                <a:latin typeface="D2Coding ligature" pitchFamily="49" charset="-127"/>
+                <a:ea typeface="D2Coding ligature" pitchFamily="49" charset="-127"/>
+              </a:rPr>
+              <a:t>4</a:t>
+            </a:r>
+            <a:r>
+              <a:rPr lang="ko-KR" altLang="en-US" sz="1400" dirty="0">
+                <a:latin typeface="D2Coding ligature" pitchFamily="49" charset="-127"/>
+                <a:ea typeface="D2Coding ligature" pitchFamily="49" charset="-127"/>
+              </a:rPr>
+              <a:t>자리 정수를 랜덤으로 할당</a:t>
+            </a:r>
+            <a:r>
+              <a:rPr lang="en-US" altLang="ko-KR" sz="1400" dirty="0">
+                <a:latin typeface="D2Coding ligature" pitchFamily="49" charset="-127"/>
+                <a:ea typeface="D2Coding ligature" pitchFamily="49" charset="-127"/>
+              </a:rPr>
+              <a:t>. ex - 1382.txt , 0201.txt , 9012.txt , ......... )</a:t>
+            </a:r>
+          </a:p>
+          <a:p>
+            <a:pPr marL="1257300" lvl="2" indent="-342900">
+              <a:buFont typeface="D2Coding ligature" pitchFamily="49" charset="-127"/>
+              <a:buChar char="-"/>
+            </a:pPr>
+            <a:r>
+              <a:rPr lang="ko-KR" altLang="en-US" sz="1400" dirty="0" smtClean="0">
+                <a:latin typeface="D2Coding ligature" pitchFamily="49" charset="-127"/>
+                <a:ea typeface="D2Coding ligature" pitchFamily="49" charset="-127"/>
+              </a:rPr>
+              <a:t>제목이 </a:t>
+            </a:r>
+            <a:r>
+              <a:rPr lang="en-US" altLang="ko-KR" sz="1400" dirty="0">
+                <a:latin typeface="D2Coding ligature" pitchFamily="49" charset="-127"/>
+                <a:ea typeface="D2Coding ligature" pitchFamily="49" charset="-127"/>
+              </a:rPr>
+              <a:t>0000~3333 </a:t>
+            </a:r>
+            <a:r>
+              <a:rPr lang="ko-KR" altLang="en-US" sz="1400" dirty="0">
+                <a:latin typeface="D2Coding ligature" pitchFamily="49" charset="-127"/>
+                <a:ea typeface="D2Coding ligature" pitchFamily="49" charset="-127"/>
+              </a:rPr>
+              <a:t>인 </a:t>
+            </a:r>
+            <a:r>
+              <a:rPr lang="en-US" altLang="ko-KR" sz="1400" dirty="0">
+                <a:latin typeface="D2Coding ligature" pitchFamily="49" charset="-127"/>
+                <a:ea typeface="D2Coding ligature" pitchFamily="49" charset="-127"/>
+              </a:rPr>
+              <a:t>txt </a:t>
+            </a:r>
+            <a:r>
+              <a:rPr lang="ko-KR" altLang="en-US" sz="1400" dirty="0">
+                <a:latin typeface="D2Coding ligature" pitchFamily="49" charset="-127"/>
+                <a:ea typeface="D2Coding ligature" pitchFamily="49" charset="-127"/>
+              </a:rPr>
+              <a:t>파일은 </a:t>
+            </a:r>
+            <a:r>
+              <a:rPr lang="en-US" altLang="ko-KR" sz="1400" dirty="0">
+                <a:latin typeface="D2Coding ligature" pitchFamily="49" charset="-127"/>
+                <a:ea typeface="D2Coding ligature" pitchFamily="49" charset="-127"/>
+              </a:rPr>
+              <a:t>low </a:t>
+            </a:r>
+            <a:r>
+              <a:rPr lang="ko-KR" altLang="en-US" sz="1400" dirty="0">
+                <a:latin typeface="D2Coding ligature" pitchFamily="49" charset="-127"/>
+                <a:ea typeface="D2Coding ligature" pitchFamily="49" charset="-127"/>
+              </a:rPr>
+              <a:t>폴더로</a:t>
+            </a:r>
+            <a:r>
+              <a:rPr lang="en-US" altLang="ko-KR" sz="1400" dirty="0">
+                <a:latin typeface="D2Coding ligature" pitchFamily="49" charset="-127"/>
+                <a:ea typeface="D2Coding ligature" pitchFamily="49" charset="-127"/>
+              </a:rPr>
+              <a:t>, 3334~6666</a:t>
+            </a:r>
+            <a:r>
+              <a:rPr lang="ko-KR" altLang="en-US" sz="1400" dirty="0">
+                <a:latin typeface="D2Coding ligature" pitchFamily="49" charset="-127"/>
+                <a:ea typeface="D2Coding ligature" pitchFamily="49" charset="-127"/>
+              </a:rPr>
+              <a:t>인 </a:t>
+            </a:r>
+            <a:r>
+              <a:rPr lang="en-US" altLang="ko-KR" sz="1400" dirty="0">
+                <a:latin typeface="D2Coding ligature" pitchFamily="49" charset="-127"/>
+                <a:ea typeface="D2Coding ligature" pitchFamily="49" charset="-127"/>
+              </a:rPr>
+              <a:t>txt </a:t>
+            </a:r>
+            <a:r>
+              <a:rPr lang="ko-KR" altLang="en-US" sz="1400" dirty="0">
+                <a:latin typeface="D2Coding ligature" pitchFamily="49" charset="-127"/>
+                <a:ea typeface="D2Coding ligature" pitchFamily="49" charset="-127"/>
+              </a:rPr>
+              <a:t>파일은 </a:t>
+            </a:r>
+            <a:r>
+              <a:rPr lang="en-US" altLang="ko-KR" sz="1400" dirty="0">
+                <a:latin typeface="D2Coding ligature" pitchFamily="49" charset="-127"/>
+                <a:ea typeface="D2Coding ligature" pitchFamily="49" charset="-127"/>
+              </a:rPr>
+              <a:t>mid </a:t>
+            </a:r>
+            <a:r>
+              <a:rPr lang="ko-KR" altLang="en-US" sz="1400" dirty="0">
+                <a:latin typeface="D2Coding ligature" pitchFamily="49" charset="-127"/>
+                <a:ea typeface="D2Coding ligature" pitchFamily="49" charset="-127"/>
+              </a:rPr>
+              <a:t>폴더로</a:t>
+            </a:r>
+            <a:r>
+              <a:rPr lang="en-US" altLang="ko-KR" sz="1400" dirty="0">
+                <a:latin typeface="D2Coding ligature" pitchFamily="49" charset="-127"/>
+                <a:ea typeface="D2Coding ligature" pitchFamily="49" charset="-127"/>
+              </a:rPr>
+              <a:t>, 6667~9999 </a:t>
+            </a:r>
+            <a:r>
+              <a:rPr lang="ko-KR" altLang="en-US" sz="1400" dirty="0">
+                <a:latin typeface="D2Coding ligature" pitchFamily="49" charset="-127"/>
+                <a:ea typeface="D2Coding ligature" pitchFamily="49" charset="-127"/>
+              </a:rPr>
+              <a:t>인 파일은 </a:t>
+            </a:r>
+            <a:r>
+              <a:rPr lang="en-US" altLang="ko-KR" sz="1400" dirty="0">
+                <a:latin typeface="D2Coding ligature" pitchFamily="49" charset="-127"/>
+                <a:ea typeface="D2Coding ligature" pitchFamily="49" charset="-127"/>
+              </a:rPr>
+              <a:t>high </a:t>
+            </a:r>
+            <a:r>
+              <a:rPr lang="ko-KR" altLang="en-US" sz="1400" dirty="0">
+                <a:latin typeface="D2Coding ligature" pitchFamily="49" charset="-127"/>
+                <a:ea typeface="D2Coding ligature" pitchFamily="49" charset="-127"/>
+              </a:rPr>
+              <a:t>폴더로 이동시키는 코드를 작성하시오</a:t>
+            </a:r>
+            <a:r>
+              <a:rPr lang="en-US" altLang="ko-KR" sz="1400" dirty="0">
+                <a:latin typeface="D2Coding ligature" pitchFamily="49" charset="-127"/>
+                <a:ea typeface="D2Coding ligature" pitchFamily="49" charset="-127"/>
+              </a:rPr>
+              <a:t>.</a:t>
+            </a:r>
+          </a:p>
+          <a:p>
+            <a:pPr marL="1257300" lvl="2" indent="-342900">
+              <a:buFont typeface="D2Coding ligature" pitchFamily="49" charset="-127"/>
+              <a:buChar char="-"/>
+            </a:pPr>
+            <a:r>
+              <a:rPr lang="en-US" altLang="ko-KR" sz="1400" dirty="0">
+                <a:latin typeface="D2Coding ligature" pitchFamily="49" charset="-127"/>
+                <a:ea typeface="D2Coding ligature" pitchFamily="49" charset="-127"/>
+              </a:rPr>
+              <a:t>low, mid, high </a:t>
+            </a:r>
+            <a:r>
+              <a:rPr lang="ko-KR" altLang="en-US" sz="1400" dirty="0">
+                <a:latin typeface="D2Coding ligature" pitchFamily="49" charset="-127"/>
+                <a:ea typeface="D2Coding ligature" pitchFamily="49" charset="-127"/>
+              </a:rPr>
+              <a:t>폴더 안에 제목이 </a:t>
+            </a:r>
+            <a:r>
+              <a:rPr lang="en-US" altLang="ko-KR" sz="1400" dirty="0">
+                <a:latin typeface="D2Coding ligature" pitchFamily="49" charset="-127"/>
+                <a:ea typeface="D2Coding ligature" pitchFamily="49" charset="-127"/>
+              </a:rPr>
+              <a:t>1, 2, 3 </a:t>
+            </a:r>
+            <a:r>
+              <a:rPr lang="ko-KR" altLang="en-US" sz="1400" dirty="0">
+                <a:latin typeface="D2Coding ligature" pitchFamily="49" charset="-127"/>
+                <a:ea typeface="D2Coding ligature" pitchFamily="49" charset="-127"/>
+              </a:rPr>
+              <a:t>인 폴더를 각각 만들고</a:t>
+            </a:r>
+            <a:r>
+              <a:rPr lang="en-US" altLang="ko-KR" sz="1400" dirty="0">
+                <a:latin typeface="D2Coding ligature" pitchFamily="49" charset="-127"/>
+                <a:ea typeface="D2Coding ligature" pitchFamily="49" charset="-127"/>
+              </a:rPr>
+              <a:t>, txt </a:t>
+            </a:r>
+            <a:r>
+              <a:rPr lang="ko-KR" altLang="en-US" sz="1400" dirty="0">
+                <a:latin typeface="D2Coding ligature" pitchFamily="49" charset="-127"/>
+                <a:ea typeface="D2Coding ligature" pitchFamily="49" charset="-127"/>
+              </a:rPr>
+              <a:t>파일 안의 내용에 따라 </a:t>
+            </a:r>
+            <a:r>
+              <a:rPr lang="en-US" altLang="ko-KR" sz="1400" dirty="0">
+                <a:latin typeface="D2Coding ligature" pitchFamily="49" charset="-127"/>
+                <a:ea typeface="D2Coding ligature" pitchFamily="49" charset="-127"/>
+              </a:rPr>
+              <a:t>txt</a:t>
+            </a:r>
+            <a:r>
+              <a:rPr lang="ko-KR" altLang="en-US" sz="1400" dirty="0">
+                <a:latin typeface="D2Coding ligature" pitchFamily="49" charset="-127"/>
+                <a:ea typeface="D2Coding ligature" pitchFamily="49" charset="-127"/>
+              </a:rPr>
+              <a:t>파일을 </a:t>
+            </a:r>
+            <a:r>
+              <a:rPr lang="ko-KR" altLang="en-US" sz="1400" dirty="0" err="1">
+                <a:latin typeface="D2Coding ligature" pitchFamily="49" charset="-127"/>
+                <a:ea typeface="D2Coding ligature" pitchFamily="49" charset="-127"/>
+              </a:rPr>
+              <a:t>폴더안으로</a:t>
+            </a:r>
+            <a:r>
+              <a:rPr lang="ko-KR" altLang="en-US" sz="1400" dirty="0">
+                <a:latin typeface="D2Coding ligature" pitchFamily="49" charset="-127"/>
+                <a:ea typeface="D2Coding ligature" pitchFamily="49" charset="-127"/>
+              </a:rPr>
+              <a:t> 이동시켜 분류하시오</a:t>
+            </a:r>
+            <a:r>
+              <a:rPr lang="en-US" altLang="ko-KR" sz="1400" dirty="0">
+                <a:latin typeface="D2Coding ligature" pitchFamily="49" charset="-127"/>
+                <a:ea typeface="D2Coding ligature" pitchFamily="49" charset="-127"/>
+              </a:rPr>
+              <a:t>.</a:t>
+            </a:r>
+          </a:p>
+          <a:p>
+            <a:pPr marL="1257300" lvl="2" indent="-342900">
+              <a:buFont typeface="D2Coding ligature" pitchFamily="49" charset="-127"/>
+              <a:buChar char="-"/>
+            </a:pPr>
+            <a:r>
+              <a:rPr lang="ko-KR" altLang="en-US" sz="1400" dirty="0">
+                <a:latin typeface="D2Coding ligature" pitchFamily="49" charset="-127"/>
+                <a:ea typeface="D2Coding ligature" pitchFamily="49" charset="-127"/>
+              </a:rPr>
+              <a:t>결론적으로 </a:t>
+            </a:r>
+            <a:r>
+              <a:rPr lang="en-US" altLang="ko-KR" sz="1400" dirty="0">
+                <a:latin typeface="D2Coding ligature" pitchFamily="49" charset="-127"/>
+                <a:ea typeface="D2Coding ligature" pitchFamily="49" charset="-127"/>
+              </a:rPr>
+              <a:t>c:/Temp/Ex04 </a:t>
+            </a:r>
+            <a:r>
+              <a:rPr lang="ko-KR" altLang="en-US" sz="1400" dirty="0">
+                <a:latin typeface="D2Coding ligature" pitchFamily="49" charset="-127"/>
+                <a:ea typeface="D2Coding ligature" pitchFamily="49" charset="-127"/>
+              </a:rPr>
+              <a:t>폴더 밑에는 </a:t>
+            </a:r>
+            <a:r>
+              <a:rPr lang="en-US" altLang="ko-KR" sz="1400" dirty="0">
+                <a:latin typeface="D2Coding ligature" pitchFamily="49" charset="-127"/>
+                <a:ea typeface="D2Coding ligature" pitchFamily="49" charset="-127"/>
+              </a:rPr>
+              <a:t>low, mid, high </a:t>
+            </a:r>
+            <a:r>
+              <a:rPr lang="ko-KR" altLang="en-US" sz="1400" dirty="0">
+                <a:latin typeface="D2Coding ligature" pitchFamily="49" charset="-127"/>
+                <a:ea typeface="D2Coding ligature" pitchFamily="49" charset="-127"/>
+              </a:rPr>
+              <a:t>폴더 </a:t>
+            </a:r>
+            <a:r>
+              <a:rPr lang="en-US" altLang="ko-KR" sz="1400" dirty="0">
+                <a:latin typeface="D2Coding ligature" pitchFamily="49" charset="-127"/>
+                <a:ea typeface="D2Coding ligature" pitchFamily="49" charset="-127"/>
+              </a:rPr>
+              <a:t>3</a:t>
+            </a:r>
+            <a:r>
+              <a:rPr lang="ko-KR" altLang="en-US" sz="1400" dirty="0">
+                <a:latin typeface="D2Coding ligature" pitchFamily="49" charset="-127"/>
+                <a:ea typeface="D2Coding ligature" pitchFamily="49" charset="-127"/>
+              </a:rPr>
+              <a:t>개가 생기고</a:t>
+            </a:r>
+            <a:r>
+              <a:rPr lang="en-US" altLang="ko-KR" sz="1400" dirty="0">
+                <a:latin typeface="D2Coding ligature" pitchFamily="49" charset="-127"/>
+                <a:ea typeface="D2Coding ligature" pitchFamily="49" charset="-127"/>
+              </a:rPr>
+              <a:t>, </a:t>
+            </a:r>
+            <a:r>
+              <a:rPr lang="ko-KR" altLang="en-US" sz="1400" dirty="0">
+                <a:latin typeface="D2Coding ligature" pitchFamily="49" charset="-127"/>
+                <a:ea typeface="D2Coding ligature" pitchFamily="49" charset="-127"/>
+              </a:rPr>
+              <a:t>이 각각의 </a:t>
+            </a:r>
+            <a:r>
+              <a:rPr lang="ko-KR" altLang="en-US" sz="1400" dirty="0" smtClean="0">
+                <a:latin typeface="D2Coding ligature" pitchFamily="49" charset="-127"/>
+                <a:ea typeface="D2Coding ligature" pitchFamily="49" charset="-127"/>
+              </a:rPr>
+              <a:t>폴더에는 </a:t>
+            </a:r>
+            <a:r>
+              <a:rPr lang="en-US" altLang="ko-KR" sz="1400" dirty="0" smtClean="0">
+                <a:latin typeface="D2Coding ligature" pitchFamily="49" charset="-127"/>
+                <a:ea typeface="D2Coding ligature" pitchFamily="49" charset="-127"/>
+              </a:rPr>
+              <a:t>1</a:t>
+            </a:r>
+            <a:r>
+              <a:rPr lang="en-US" altLang="ko-KR" sz="1400" dirty="0">
+                <a:latin typeface="D2Coding ligature" pitchFamily="49" charset="-127"/>
+                <a:ea typeface="D2Coding ligature" pitchFamily="49" charset="-127"/>
+              </a:rPr>
+              <a:t>, 2, 3 </a:t>
+            </a:r>
+            <a:r>
+              <a:rPr lang="ko-KR" altLang="en-US" sz="1400" dirty="0">
+                <a:latin typeface="D2Coding ligature" pitchFamily="49" charset="-127"/>
+                <a:ea typeface="D2Coding ligature" pitchFamily="49" charset="-127"/>
+              </a:rPr>
+              <a:t>폴더가 각각 생기고 이 </a:t>
+            </a:r>
+            <a:r>
+              <a:rPr lang="ko-KR" altLang="en-US" sz="1400" dirty="0" err="1">
+                <a:latin typeface="D2Coding ligature" pitchFamily="49" charset="-127"/>
+                <a:ea typeface="D2Coding ligature" pitchFamily="49" charset="-127"/>
+              </a:rPr>
+              <a:t>폴더밑에</a:t>
+            </a:r>
+            <a:r>
+              <a:rPr lang="ko-KR" altLang="en-US" sz="1400" dirty="0">
+                <a:latin typeface="D2Coding ligature" pitchFamily="49" charset="-127"/>
+                <a:ea typeface="D2Coding ligature" pitchFamily="49" charset="-127"/>
+              </a:rPr>
+              <a:t> 파일이 들어 있어야 함</a:t>
+            </a:r>
+            <a:r>
+              <a:rPr lang="en-US" altLang="ko-KR" sz="1400" dirty="0">
+                <a:latin typeface="D2Coding ligature" pitchFamily="49" charset="-127"/>
+                <a:ea typeface="D2Coding ligature" pitchFamily="49" charset="-127"/>
+              </a:rPr>
+              <a:t>.</a:t>
+            </a:r>
+          </a:p>
+          <a:p>
+            <a:pPr marL="800100" lvl="1" indent="-342900">
+              <a:buFont typeface="+mj-lt"/>
+              <a:buAutoNum type="arabicPeriod" startAt="4"/>
+            </a:pPr>
+            <a:endParaRPr lang="en-US" altLang="ko-KR" sz="1400" dirty="0">
+              <a:latin typeface="D2Coding ligature" pitchFamily="49" charset="-127"/>
+              <a:ea typeface="D2Coding ligature" pitchFamily="49" charset="-127"/>
+            </a:endParaRPr>
+          </a:p>
+          <a:p>
+            <a:pPr marL="800100" lvl="1" indent="-342900">
+              <a:buFont typeface="+mj-lt"/>
+              <a:buAutoNum type="arabicPeriod" startAt="4"/>
+            </a:pPr>
+            <a:r>
+              <a:rPr lang="en-US" altLang="ko-KR" sz="1400" dirty="0">
+                <a:latin typeface="D2Coding ligature" pitchFamily="49" charset="-127"/>
+                <a:ea typeface="D2Coding ligature" pitchFamily="49" charset="-127"/>
+              </a:rPr>
+              <a:t>Binary </a:t>
+            </a:r>
+            <a:r>
+              <a:rPr lang="ko-KR" altLang="en-US" sz="1400" dirty="0">
+                <a:latin typeface="D2Coding ligature" pitchFamily="49" charset="-127"/>
+                <a:ea typeface="D2Coding ligature" pitchFamily="49" charset="-127"/>
+              </a:rPr>
+              <a:t>파일을 </a:t>
+            </a:r>
+            <a:r>
+              <a:rPr lang="en-US" altLang="ko-KR" sz="1400" dirty="0">
+                <a:latin typeface="D2Coding ligature" pitchFamily="49" charset="-127"/>
+                <a:ea typeface="D2Coding ligature" pitchFamily="49" charset="-127"/>
+              </a:rPr>
+              <a:t>16</a:t>
+            </a:r>
+            <a:r>
+              <a:rPr lang="ko-KR" altLang="en-US" sz="1400" dirty="0">
+                <a:latin typeface="D2Coding ligature" pitchFamily="49" charset="-127"/>
+                <a:ea typeface="D2Coding ligature" pitchFamily="49" charset="-127"/>
+              </a:rPr>
+              <a:t>진수 값으로 출력하는 </a:t>
+            </a:r>
+            <a:r>
+              <a:rPr lang="en-US" altLang="ko-KR" sz="1400" dirty="0" err="1">
+                <a:latin typeface="D2Coding ligature" pitchFamily="49" charset="-127"/>
+                <a:ea typeface="D2Coding ligature" pitchFamily="49" charset="-127"/>
+              </a:rPr>
+              <a:t>HexaDump</a:t>
+            </a:r>
+            <a:r>
+              <a:rPr lang="en-US" altLang="ko-KR" sz="1400" dirty="0">
+                <a:latin typeface="D2Coding ligature" pitchFamily="49" charset="-127"/>
+                <a:ea typeface="D2Coding ligature" pitchFamily="49" charset="-127"/>
+              </a:rPr>
+              <a:t> </a:t>
+            </a:r>
+            <a:r>
+              <a:rPr lang="ko-KR" altLang="en-US" sz="1400" dirty="0">
+                <a:latin typeface="D2Coding ligature" pitchFamily="49" charset="-127"/>
+                <a:ea typeface="D2Coding ligature" pitchFamily="49" charset="-127"/>
+              </a:rPr>
+              <a:t>프로그램을 작성하시오</a:t>
+            </a:r>
+            <a:r>
+              <a:rPr lang="en-US" altLang="ko-KR" sz="1400" dirty="0">
+                <a:latin typeface="D2Coding ligature" pitchFamily="49" charset="-127"/>
+                <a:ea typeface="D2Coding ligature" pitchFamily="49" charset="-127"/>
+              </a:rPr>
+              <a:t>.</a:t>
+            </a:r>
+          </a:p>
+          <a:p>
+            <a:pPr marL="1257300" lvl="2" indent="-342900">
+              <a:buFont typeface="D2Coding ligature" pitchFamily="49" charset="-127"/>
+              <a:buChar char="-"/>
+            </a:pPr>
+            <a:endParaRPr lang="en-US" altLang="ko-KR" sz="1400" dirty="0">
+              <a:latin typeface="D2Coding ligature" pitchFamily="49" charset="-127"/>
+              <a:ea typeface="D2Coding ligature" pitchFamily="49" charset="-127"/>
+            </a:endParaRPr>
+          </a:p>
+          <a:p>
+            <a:pPr marL="1257300" lvl="2" indent="-342900">
+              <a:buFont typeface="D2Coding ligature" pitchFamily="49" charset="-127"/>
+              <a:buChar char="-"/>
+            </a:pPr>
+            <a:r>
+              <a:rPr lang="ko-KR" altLang="en-US" sz="1400" dirty="0">
+                <a:latin typeface="D2Coding ligature" pitchFamily="49" charset="-127"/>
+                <a:ea typeface="D2Coding ligature" pitchFamily="49" charset="-127"/>
+              </a:rPr>
+              <a:t>입력 </a:t>
+            </a:r>
+            <a:r>
+              <a:rPr lang="ko-KR" altLang="en-US" sz="1400" dirty="0" smtClean="0">
+                <a:latin typeface="D2Coding ligature" pitchFamily="49" charset="-127"/>
+                <a:ea typeface="D2Coding ligature" pitchFamily="49" charset="-127"/>
+              </a:rPr>
+              <a:t>형태</a:t>
+            </a:r>
+            <a:r>
+              <a:rPr lang="en-US" altLang="ko-KR" sz="1400" dirty="0" smtClean="0">
+                <a:latin typeface="D2Coding ligature" pitchFamily="49" charset="-127"/>
+                <a:ea typeface="D2Coding ligature" pitchFamily="49" charset="-127"/>
+              </a:rPr>
+              <a:t/>
+            </a:r>
+            <a:br>
+              <a:rPr lang="en-US" altLang="ko-KR" sz="1400" dirty="0" smtClean="0">
+                <a:latin typeface="D2Coding ligature" pitchFamily="49" charset="-127"/>
+                <a:ea typeface="D2Coding ligature" pitchFamily="49" charset="-127"/>
+              </a:rPr>
+            </a:br>
+            <a:r>
+              <a:rPr lang="ko-KR" altLang="en-US" sz="1400" dirty="0" smtClean="0">
+                <a:latin typeface="D2Coding ligature" pitchFamily="49" charset="-127"/>
+                <a:ea typeface="D2Coding ligature" pitchFamily="49" charset="-127"/>
+              </a:rPr>
+              <a:t>찾을 </a:t>
+            </a:r>
+            <a:r>
+              <a:rPr lang="ko-KR" altLang="en-US" sz="1400" dirty="0">
+                <a:latin typeface="D2Coding ligature" pitchFamily="49" charset="-127"/>
+                <a:ea typeface="D2Coding ligature" pitchFamily="49" charset="-127"/>
+              </a:rPr>
+              <a:t>파일명</a:t>
+            </a:r>
+            <a:r>
+              <a:rPr lang="en-US" altLang="ko-KR" sz="1400">
+                <a:latin typeface="D2Coding ligature" pitchFamily="49" charset="-127"/>
+                <a:ea typeface="D2Coding ligature" pitchFamily="49" charset="-127"/>
+              </a:rPr>
+              <a:t>: </a:t>
+            </a:r>
+            <a:r>
+              <a:rPr lang="en-US" altLang="ko-KR" sz="1400" smtClean="0">
+                <a:latin typeface="D2Coding ligature" pitchFamily="49" charset="-127"/>
+                <a:ea typeface="D2Coding ligature" pitchFamily="49" charset="-127"/>
+              </a:rPr>
+              <a:t>C:/Temp/james.p</a:t>
+            </a:r>
+            <a:endParaRPr lang="en-US" altLang="ko-KR" sz="1400" dirty="0">
+              <a:latin typeface="D2Coding ligature" pitchFamily="49" charset="-127"/>
+              <a:ea typeface="D2Coding ligature" pitchFamily="49" charset="-127"/>
+            </a:endParaRPr>
+          </a:p>
+          <a:p>
+            <a:pPr marL="1257300" lvl="2" indent="-342900">
+              <a:buFont typeface="D2Coding ligature" pitchFamily="49" charset="-127"/>
+              <a:buChar char="-"/>
+            </a:pPr>
+            <a:endParaRPr lang="en-US" altLang="ko-KR" sz="1400" dirty="0">
+              <a:latin typeface="D2Coding ligature" pitchFamily="49" charset="-127"/>
+              <a:ea typeface="D2Coding ligature" pitchFamily="49" charset="-127"/>
+            </a:endParaRPr>
+          </a:p>
+          <a:p>
+            <a:pPr marL="1257300" lvl="2" indent="-342900">
+              <a:buFont typeface="D2Coding ligature" pitchFamily="49" charset="-127"/>
+              <a:buChar char="-"/>
+            </a:pPr>
+            <a:r>
+              <a:rPr lang="ko-KR" altLang="en-US" sz="1400" dirty="0">
+                <a:latin typeface="D2Coding ligature" pitchFamily="49" charset="-127"/>
+                <a:ea typeface="D2Coding ligature" pitchFamily="49" charset="-127"/>
+              </a:rPr>
+              <a:t>출력 </a:t>
+            </a:r>
+            <a:r>
+              <a:rPr lang="ko-KR" altLang="en-US" sz="1400" dirty="0" smtClean="0">
+                <a:latin typeface="D2Coding ligature" pitchFamily="49" charset="-127"/>
+                <a:ea typeface="D2Coding ligature" pitchFamily="49" charset="-127"/>
+              </a:rPr>
+              <a:t>형태</a:t>
+            </a:r>
+            <a:r>
+              <a:rPr lang="en-US" altLang="ko-KR" sz="1400" dirty="0" smtClean="0">
+                <a:latin typeface="D2Coding ligature" pitchFamily="49" charset="-127"/>
+                <a:ea typeface="D2Coding ligature" pitchFamily="49" charset="-127"/>
+              </a:rPr>
+              <a:t/>
+            </a:r>
+            <a:br>
+              <a:rPr lang="en-US" altLang="ko-KR" sz="1400" dirty="0" smtClean="0">
+                <a:latin typeface="D2Coding ligature" pitchFamily="49" charset="-127"/>
+                <a:ea typeface="D2Coding ligature" pitchFamily="49" charset="-127"/>
+              </a:rPr>
+            </a:br>
+            <a:r>
+              <a:rPr lang="en-US" altLang="ko-KR" sz="1400" dirty="0" smtClean="0">
+                <a:latin typeface="D2Coding ligature" pitchFamily="49" charset="-127"/>
+                <a:ea typeface="D2Coding ligature" pitchFamily="49" charset="-127"/>
+              </a:rPr>
+              <a:t/>
+            </a:r>
+            <a:br>
+              <a:rPr lang="en-US" altLang="ko-KR" sz="1400" dirty="0" smtClean="0">
+                <a:latin typeface="D2Coding ligature" pitchFamily="49" charset="-127"/>
+                <a:ea typeface="D2Coding ligature" pitchFamily="49" charset="-127"/>
+              </a:rPr>
+            </a:br>
+            <a:r>
+              <a:rPr lang="en-US" altLang="ko-KR" sz="1400" dirty="0" smtClean="0">
+                <a:latin typeface="D2Coding ligature" pitchFamily="49" charset="-127"/>
+                <a:ea typeface="D2Coding ligature" pitchFamily="49" charset="-127"/>
+              </a:rPr>
+              <a:t>00000000</a:t>
+            </a:r>
+            <a:r>
+              <a:rPr lang="en-US" altLang="ko-KR" sz="1400" dirty="0">
+                <a:latin typeface="D2Coding ligature" pitchFamily="49" charset="-127"/>
+                <a:ea typeface="D2Coding ligature" pitchFamily="49" charset="-127"/>
+              </a:rPr>
+              <a:t>:  00 01 44 E4 00 01 64 E4  41 42 43 11 00 61 F4 E4  ..D...d. </a:t>
+            </a:r>
+            <a:r>
+              <a:rPr lang="en-US" altLang="ko-KR" sz="1400" dirty="0" err="1">
+                <a:latin typeface="D2Coding ligature" pitchFamily="49" charset="-127"/>
+                <a:ea typeface="D2Coding ligature" pitchFamily="49" charset="-127"/>
+              </a:rPr>
+              <a:t>ABC..a</a:t>
+            </a:r>
+            <a:r>
+              <a:rPr lang="en-US" altLang="ko-KR" sz="1400" dirty="0" smtClean="0">
+                <a:latin typeface="D2Coding ligature" pitchFamily="49" charset="-127"/>
+                <a:ea typeface="D2Coding ligature" pitchFamily="49" charset="-127"/>
+              </a:rPr>
+              <a:t>..</a:t>
+            </a:r>
+            <a:br>
+              <a:rPr lang="en-US" altLang="ko-KR" sz="1400" dirty="0" smtClean="0">
+                <a:latin typeface="D2Coding ligature" pitchFamily="49" charset="-127"/>
+                <a:ea typeface="D2Coding ligature" pitchFamily="49" charset="-127"/>
+              </a:rPr>
+            </a:br>
+            <a:r>
+              <a:rPr lang="en-US" altLang="ko-KR" sz="1400" dirty="0" smtClean="0">
+                <a:latin typeface="D2Coding ligature" pitchFamily="49" charset="-127"/>
+                <a:ea typeface="D2Coding ligature" pitchFamily="49" charset="-127"/>
+              </a:rPr>
+              <a:t>00000010</a:t>
+            </a:r>
+            <a:r>
+              <a:rPr lang="en-US" altLang="ko-KR" sz="1400" dirty="0">
+                <a:latin typeface="D2Coding ligature" pitchFamily="49" charset="-127"/>
+                <a:ea typeface="D2Coding ligature" pitchFamily="49" charset="-127"/>
+              </a:rPr>
+              <a:t>: </a:t>
+            </a:r>
+            <a:r>
+              <a:rPr lang="en-US" altLang="ko-KR" sz="1400" dirty="0" smtClean="0">
+                <a:latin typeface="D2Coding ligature" pitchFamily="49" charset="-127"/>
+                <a:ea typeface="D2Coding ligature" pitchFamily="49" charset="-127"/>
+              </a:rPr>
+              <a:t> 41 </a:t>
+            </a:r>
+            <a:r>
+              <a:rPr lang="en-US" altLang="ko-KR" sz="1400" dirty="0">
+                <a:latin typeface="D2Coding ligature" pitchFamily="49" charset="-127"/>
+                <a:ea typeface="D2Coding ligature" pitchFamily="49" charset="-127"/>
+              </a:rPr>
+              <a:t>42 </a:t>
+            </a:r>
+            <a:r>
+              <a:rPr lang="en-US" altLang="ko-KR" sz="1400" dirty="0" smtClean="0">
+                <a:latin typeface="D2Coding ligature" pitchFamily="49" charset="-127"/>
+                <a:ea typeface="D2Coding ligature" pitchFamily="49" charset="-127"/>
+              </a:rPr>
+              <a:t>63 13 </a:t>
+            </a:r>
+            <a:r>
+              <a:rPr lang="en-US" altLang="ko-KR" sz="1400" dirty="0">
+                <a:latin typeface="D2Coding ligature" pitchFamily="49" charset="-127"/>
+                <a:ea typeface="D2Coding ligature" pitchFamily="49" charset="-127"/>
+              </a:rPr>
+              <a:t>00 </a:t>
+            </a:r>
+            <a:r>
+              <a:rPr lang="en-US" altLang="ko-KR" sz="1400" dirty="0" smtClean="0">
+                <a:latin typeface="D2Coding ligature" pitchFamily="49" charset="-127"/>
+                <a:ea typeface="D2Coding ligature" pitchFamily="49" charset="-127"/>
+              </a:rPr>
+              <a:t>62 </a:t>
+            </a:r>
+            <a:r>
+              <a:rPr lang="en-US" altLang="ko-KR" sz="1400" dirty="0">
+                <a:latin typeface="D2Coding ligature" pitchFamily="49" charset="-127"/>
+                <a:ea typeface="D2Coding ligature" pitchFamily="49" charset="-127"/>
+              </a:rPr>
+              <a:t>F4 </a:t>
+            </a:r>
+            <a:r>
+              <a:rPr lang="en-US" altLang="ko-KR" sz="1400" dirty="0" smtClean="0">
+                <a:latin typeface="D2Coding ligature" pitchFamily="49" charset="-127"/>
+                <a:ea typeface="D2Coding ligature" pitchFamily="49" charset="-127"/>
+              </a:rPr>
+              <a:t>E5  00 </a:t>
+            </a:r>
+            <a:r>
+              <a:rPr lang="en-US" altLang="ko-KR" sz="1400" dirty="0">
+                <a:latin typeface="D2Coding ligature" pitchFamily="49" charset="-127"/>
+                <a:ea typeface="D2Coding ligature" pitchFamily="49" charset="-127"/>
+              </a:rPr>
+              <a:t>01 </a:t>
+            </a:r>
+            <a:r>
+              <a:rPr lang="en-US" altLang="ko-KR" sz="1400" dirty="0" smtClean="0">
+                <a:latin typeface="D2Coding ligature" pitchFamily="49" charset="-127"/>
+                <a:ea typeface="D2Coding ligature" pitchFamily="49" charset="-127"/>
+              </a:rPr>
+              <a:t>46 E9 FF </a:t>
+            </a:r>
+            <a:r>
+              <a:rPr lang="en-US" altLang="ko-KR" sz="1400" dirty="0">
+                <a:latin typeface="D2Coding ligature" pitchFamily="49" charset="-127"/>
+                <a:ea typeface="D2Coding ligature" pitchFamily="49" charset="-127"/>
+              </a:rPr>
+              <a:t>01 </a:t>
+            </a:r>
+            <a:r>
+              <a:rPr lang="en-US" altLang="ko-KR" sz="1400" dirty="0" smtClean="0">
+                <a:latin typeface="D2Coding ligature" pitchFamily="49" charset="-127"/>
+                <a:ea typeface="D2Coding ligature" pitchFamily="49" charset="-127"/>
+              </a:rPr>
+              <a:t>65 E2  </a:t>
+            </a:r>
+            <a:r>
+              <a:rPr lang="en-US" altLang="ko-KR" sz="1400" dirty="0" err="1" smtClean="0">
+                <a:latin typeface="D2Coding ligature" pitchFamily="49" charset="-127"/>
+                <a:ea typeface="D2Coding ligature" pitchFamily="49" charset="-127"/>
+              </a:rPr>
+              <a:t>ABc</a:t>
+            </a:r>
+            <a:r>
+              <a:rPr lang="en-US" altLang="ko-KR" sz="1400" dirty="0" smtClean="0">
+                <a:latin typeface="D2Coding ligature" pitchFamily="49" charset="-127"/>
+                <a:ea typeface="D2Coding ligature" pitchFamily="49" charset="-127"/>
+              </a:rPr>
+              <a:t>..b.. ..F...e. </a:t>
+            </a:r>
+            <a:br>
+              <a:rPr lang="en-US" altLang="ko-KR" sz="1400" dirty="0" smtClean="0">
+                <a:latin typeface="D2Coding ligature" pitchFamily="49" charset="-127"/>
+                <a:ea typeface="D2Coding ligature" pitchFamily="49" charset="-127"/>
+              </a:rPr>
+            </a:br>
+            <a:r>
+              <a:rPr lang="en-US" altLang="ko-KR" sz="1400" dirty="0" smtClean="0">
+                <a:latin typeface="D2Coding ligature" pitchFamily="49" charset="-127"/>
+                <a:ea typeface="D2Coding ligature" pitchFamily="49" charset="-127"/>
+              </a:rPr>
+              <a:t>00000020:</a:t>
+            </a:r>
+          </a:p>
+        </p:txBody>
+      </p:sp>
+      <p:sp>
+        <p:nvSpPr>
+          <p:cNvPr id="6" name="TextBox 5"/>
+          <p:cNvSpPr txBox="1"/>
+          <p:nvPr/>
+        </p:nvSpPr>
+        <p:spPr>
+          <a:xfrm>
+            <a:off x="361308" y="136110"/>
+            <a:ext cx="2008883" cy="369332"/>
+          </a:xfrm>
+          <a:prstGeom prst="rect">
+            <a:avLst/>
+          </a:prstGeom>
+          <a:noFill/>
+        </p:spPr>
+        <p:txBody>
+          <a:bodyPr wrap="none" rtlCol="0">
+            <a:spAutoFit/>
+          </a:bodyPr>
+          <a:lstStyle/>
+          <a:p>
+            <a:r>
+              <a:rPr lang="en-US" altLang="ko-KR" b="1" dirty="0" smtClean="0"/>
+              <a:t>3. </a:t>
+            </a:r>
+            <a:r>
+              <a:rPr lang="ko-KR" altLang="en-US" b="1" dirty="0" smtClean="0"/>
+              <a:t>문자열 및 파일</a:t>
+            </a:r>
+            <a:endParaRPr lang="ko-KR" altLang="en-US" b="1" dirty="0"/>
+          </a:p>
+        </p:txBody>
+      </p:sp>
+    </p:spTree>
+    <p:extLst>
+      <p:ext uri="{BB962C8B-B14F-4D97-AF65-F5344CB8AC3E}">
+        <p14:creationId xmlns:p14="http://schemas.microsoft.com/office/powerpoint/2010/main" val="3527359355"/>
       </p:ext>
     </p:extLst>
   </p:cSld>
